--- a/Test PPT/3._Lung_Volumes_and_capacities.pptx
+++ b/Test PPT/3._Lung_Volumes_and_capacities.pptx
@@ -292,7 +292,7 @@
             <a:fld id="{37AB6240-E2E2-4442-8E20-4B597BDCBC08}" type="datetime1">
               <a:rPr lang="en-US"/>
               <a:pPr/>
-              <a:t>8/27/2016</a:t>
+              <a:t>5/22/2018</a:t>
             </a:fld>
             <a:endParaRPr lang="en-US"/>
           </a:p>
@@ -365,35 +365,35 @@
           <a:p>
             <a:pPr lvl="0"/>
             <a:r>
-              <a:rPr lang="en-US" smtClean="0"/>
+              <a:rPr lang="en-US"/>
               <a:t>Click to edit Master text styles</a:t>
             </a:r>
           </a:p>
           <a:p>
             <a:pPr lvl="1"/>
             <a:r>
-              <a:rPr lang="en-US" smtClean="0"/>
+              <a:rPr lang="en-US"/>
               <a:t>Second level</a:t>
             </a:r>
           </a:p>
           <a:p>
             <a:pPr lvl="2"/>
             <a:r>
-              <a:rPr lang="en-US" smtClean="0"/>
+              <a:rPr lang="en-US"/>
               <a:t>Third level</a:t>
             </a:r>
           </a:p>
           <a:p>
             <a:pPr lvl="3"/>
             <a:r>
-              <a:rPr lang="en-US" smtClean="0"/>
+              <a:rPr lang="en-US"/>
               <a:t>Fourth level</a:t>
             </a:r>
           </a:p>
           <a:p>
             <a:pPr lvl="4"/>
             <a:r>
-              <a:rPr lang="en-US" smtClean="0"/>
+              <a:rPr lang="en-US"/>
               <a:t>Fifth level</a:t>
             </a:r>
           </a:p>
@@ -838,11 +838,11 @@
           <a:lstStyle/>
           <a:p>
             <a:r>
-              <a:rPr lang="en-US" dirty="0" smtClean="0"/>
+              <a:rPr lang="en-US" dirty="0"/>
               <a:t>Does</a:t>
             </a:r>
             <a:r>
-              <a:rPr lang="en-US" baseline="0" dirty="0" smtClean="0"/>
+              <a:rPr lang="en-US" baseline="0" dirty="0"/>
               <a:t> FRC increase, decrease or stay the same with age? What happens to VC with age?</a:t>
             </a:r>
             <a:endParaRPr lang="en-US" dirty="0"/>
@@ -931,19 +931,19 @@
           <a:lstStyle/>
           <a:p>
             <a:r>
-              <a:rPr lang="en-US" dirty="0" smtClean="0"/>
+              <a:rPr lang="en-US" dirty="0"/>
               <a:t>* Chest</a:t>
             </a:r>
             <a:r>
-              <a:rPr lang="en-US" baseline="0" dirty="0" smtClean="0"/>
+              <a:rPr lang="en-US" baseline="0" dirty="0"/>
               <a:t> wall springs out</a:t>
             </a:r>
             <a:r>
-              <a:rPr lang="en-US" dirty="0" smtClean="0"/>
+              <a:rPr lang="en-US" dirty="0"/>
               <a:t> for all volumes below</a:t>
             </a:r>
             <a:r>
-              <a:rPr lang="en-US" baseline="0" dirty="0" smtClean="0"/>
+              <a:rPr lang="en-US" baseline="0" dirty="0"/>
               <a:t> 70% of TLC. At lung volumes &gt; 70% of TLC, the chest wall will recoil inwards because it is larger than its resting volume.</a:t>
             </a:r>
             <a:endParaRPr lang="en-US" dirty="0"/>
@@ -1032,11 +1032,11 @@
           <a:lstStyle/>
           <a:p>
             <a:r>
-              <a:rPr lang="en-US" dirty="0" smtClean="0"/>
+              <a:rPr lang="en-US" dirty="0"/>
               <a:t>TLC may</a:t>
             </a:r>
             <a:r>
-              <a:rPr lang="en-US" baseline="0" dirty="0" smtClean="0"/>
+              <a:rPr lang="en-US" baseline="0" dirty="0"/>
               <a:t> increase slightly with age in healthy adults but increases significantly in patients with emphysema. Why?</a:t>
             </a:r>
             <a:endParaRPr lang="en-US" dirty="0"/>
@@ -1125,11 +1125,11 @@
           <a:lstStyle/>
           <a:p>
             <a:r>
-              <a:rPr lang="en-US" dirty="0" smtClean="0"/>
+              <a:rPr lang="en-US" dirty="0"/>
               <a:t>Note</a:t>
             </a:r>
             <a:r>
-              <a:rPr lang="en-US" baseline="0" dirty="0" smtClean="0"/>
+              <a:rPr lang="en-US" baseline="0" dirty="0"/>
               <a:t> that in normal healthy individuals, RV does not change with body position. When supine, the passive movement of abdominal contents into the thorax can be thought of as starting to exhale, thus there is less volume left to exhale and a decrease in ERV.</a:t>
             </a:r>
             <a:endParaRPr lang="en-US" dirty="0"/>
@@ -1220,27 +1220,27 @@
           <a:lstStyle/>
           <a:p>
             <a:r>
-              <a:rPr lang="en-US" dirty="0" smtClean="0"/>
+              <a:rPr lang="en-US" dirty="0"/>
               <a:t>During</a:t>
             </a:r>
             <a:r>
-              <a:rPr lang="en-US" baseline="0" dirty="0" smtClean="0"/>
+              <a:rPr lang="en-US" baseline="0" dirty="0"/>
               <a:t> pregnancy, i</a:t>
             </a:r>
             <a:r>
-              <a:rPr lang="en-US" dirty="0" smtClean="0"/>
+              <a:rPr lang="en-US" dirty="0"/>
               <a:t>ncreased levels of progesterone, increased oxygen</a:t>
             </a:r>
             <a:r>
-              <a:rPr lang="en-US" baseline="0" dirty="0" smtClean="0"/>
+              <a:rPr lang="en-US" baseline="0" dirty="0"/>
               <a:t> demand, increased CO</a:t>
             </a:r>
             <a:r>
-              <a:rPr lang="en-US" baseline="-25000" dirty="0" smtClean="0"/>
+              <a:rPr lang="en-US" baseline="-25000" dirty="0"/>
               <a:t>2</a:t>
             </a:r>
             <a:r>
-              <a:rPr lang="en-US" baseline="0" dirty="0" smtClean="0"/>
+              <a:rPr lang="en-US" baseline="0" dirty="0"/>
               <a:t> production drives the increase in tidal volume.  Residual volume decreases because of the increased size of the fetus and decreased compliance of thorax.</a:t>
             </a:r>
             <a:endParaRPr lang="en-US" baseline="-25000" dirty="0"/>
@@ -1334,18 +1334,17 @@
           <a:p>
             <a:pPr defTabSz="931774"/>
             <a:r>
-              <a:rPr lang="en-US" dirty="0" smtClean="0"/>
+              <a:rPr lang="en-US" dirty="0"/>
               <a:t>What do you predict will happen to FEV</a:t>
             </a:r>
             <a:r>
-              <a:rPr lang="en-US" baseline="-25000" dirty="0" smtClean="0"/>
+              <a:rPr lang="en-US" baseline="-25000" dirty="0"/>
               <a:t>1</a:t>
             </a:r>
             <a:r>
-              <a:rPr lang="en-US" dirty="0" smtClean="0"/>
+              <a:rPr lang="en-US" dirty="0"/>
               <a:t> in obstructive disease? Restrictive disease?</a:t>
             </a:r>
-            <a:endParaRPr lang="en-US" dirty="0"/>
           </a:p>
         </p:txBody>
       </p:sp>
@@ -1423,16 +1422,12 @@
               </a:spcBef>
             </a:pPr>
             <a:r>
-              <a:rPr lang="en-US" dirty="0" smtClean="0">
+              <a:rPr lang="en-US" dirty="0">
                 <a:latin typeface="Times New Roman" pitchFamily="18" charset="0"/>
                 <a:cs typeface="Times New Roman" pitchFamily="18" charset="0"/>
               </a:rPr>
               <a:t>This graph shows that normal people can exhale 80% of their vital capacity in 1 sec. </a:t>
             </a:r>
-            <a:endParaRPr lang="en-US" dirty="0">
-              <a:latin typeface="Times New Roman" pitchFamily="18" charset="0"/>
-              <a:cs typeface="Times New Roman" pitchFamily="18" charset="0"/>
-            </a:endParaRPr>
           </a:p>
         </p:txBody>
       </p:sp>
@@ -1538,11 +1533,11 @@
           <a:lstStyle/>
           <a:p>
             <a:r>
-              <a:rPr lang="en-US" dirty="0" smtClean="0"/>
+              <a:rPr lang="en-US" dirty="0"/>
               <a:t>The relationships shown above indicate that if airway resistance increases, airflow into and</a:t>
             </a:r>
             <a:r>
-              <a:rPr lang="en-US" baseline="0" dirty="0" smtClean="0"/>
+              <a:rPr lang="en-US" baseline="0" dirty="0"/>
               <a:t> especially out of the lungs will decrease. What might increase airway resistance?  Why do the midsized airways have the highest airway resistance?</a:t>
             </a:r>
             <a:endParaRPr lang="en-US" dirty="0"/>
@@ -2438,18 +2433,17 @@
           <a:p>
             <a:pPr defTabSz="931774"/>
             <a:r>
-              <a:rPr lang="en-US" dirty="0" smtClean="0"/>
+              <a:rPr lang="en-US" dirty="0"/>
               <a:t>Which of the lung volumes increase with exercise in healthy</a:t>
             </a:r>
             <a:r>
-              <a:rPr lang="en-US" baseline="0" dirty="0" smtClean="0"/>
+              <a:rPr lang="en-US" baseline="0" dirty="0"/>
               <a:t> individuals</a:t>
             </a:r>
             <a:r>
-              <a:rPr lang="en-US" dirty="0" smtClean="0"/>
+              <a:rPr lang="en-US" dirty="0"/>
               <a:t>?</a:t>
             </a:r>
-            <a:endParaRPr lang="en-US" dirty="0"/>
           </a:p>
         </p:txBody>
       </p:sp>
@@ -2511,26 +2505,25 @@
           <a:lstStyle/>
           <a:p>
             <a:r>
-              <a:rPr lang="en-US" dirty="0" smtClean="0"/>
+              <a:rPr lang="en-US" dirty="0"/>
               <a:t>If</a:t>
             </a:r>
             <a:r>
-              <a:rPr lang="en-US" baseline="0" dirty="0" smtClean="0"/>
+              <a:rPr lang="en-US" baseline="0" dirty="0"/>
               <a:t> b</a:t>
             </a:r>
             <a:r>
-              <a:rPr lang="en-US" dirty="0" smtClean="0"/>
+              <a:rPr lang="en-US" dirty="0"/>
               <a:t>oth IRV and ERV decrease with age, what increases?</a:t>
             </a:r>
             <a:r>
-              <a:rPr lang="en-US" baseline="0" dirty="0" smtClean="0"/>
+              <a:rPr lang="en-US" baseline="0" dirty="0"/>
               <a:t> </a:t>
             </a:r>
             <a:r>
-              <a:rPr lang="en-US" dirty="0" smtClean="0"/>
+              <a:rPr lang="en-US" dirty="0"/>
               <a:t>Practice drawing this graph without looking at it. </a:t>
             </a:r>
-            <a:endParaRPr lang="en-US" dirty="0"/>
           </a:p>
         </p:txBody>
       </p:sp>
@@ -2609,10 +2602,9 @@
           <a:lstStyle/>
           <a:p>
             <a:r>
-              <a:rPr lang="en-US" smtClean="0"/>
+              <a:rPr lang="en-US"/>
               <a:t>Click to edit Master title style</a:t>
             </a:r>
-            <a:endParaRPr lang="en-US"/>
           </a:p>
         </p:txBody>
       </p:sp>
@@ -2728,10 +2720,9 @@
           </a:lstStyle>
           <a:p>
             <a:r>
-              <a:rPr lang="en-US" smtClean="0"/>
+              <a:rPr lang="en-US"/>
               <a:t>Click to edit Master subtitle style</a:t>
             </a:r>
-            <a:endParaRPr lang="en-US"/>
           </a:p>
         </p:txBody>
       </p:sp>
@@ -2757,7 +2748,7 @@
             <a:fld id="{FF6F9E01-C099-45FB-9619-FEB1F4962107}" type="datetime1">
               <a:rPr lang="en-US"/>
               <a:pPr/>
-              <a:t>8/27/2016</a:t>
+              <a:t>5/22/2018</a:t>
             </a:fld>
             <a:endParaRPr lang="en-US"/>
           </a:p>
@@ -2858,10 +2849,9 @@
           <a:lstStyle/>
           <a:p>
             <a:r>
-              <a:rPr lang="en-US" smtClean="0"/>
+              <a:rPr lang="en-US"/>
               <a:t>Click to edit Master title style</a:t>
             </a:r>
-            <a:endParaRPr lang="en-US"/>
           </a:p>
         </p:txBody>
       </p:sp>
@@ -2882,38 +2872,37 @@
           <a:p>
             <a:pPr lvl="0"/>
             <a:r>
-              <a:rPr lang="en-US" smtClean="0"/>
+              <a:rPr lang="en-US"/>
               <a:t>Click to edit Master text styles</a:t>
             </a:r>
           </a:p>
           <a:p>
             <a:pPr lvl="1"/>
             <a:r>
-              <a:rPr lang="en-US" smtClean="0"/>
+              <a:rPr lang="en-US"/>
               <a:t>Second level</a:t>
             </a:r>
           </a:p>
           <a:p>
             <a:pPr lvl="2"/>
             <a:r>
-              <a:rPr lang="en-US" smtClean="0"/>
+              <a:rPr lang="en-US"/>
               <a:t>Third level</a:t>
             </a:r>
           </a:p>
           <a:p>
             <a:pPr lvl="3"/>
             <a:r>
-              <a:rPr lang="en-US" smtClean="0"/>
+              <a:rPr lang="en-US"/>
               <a:t>Fourth level</a:t>
             </a:r>
           </a:p>
           <a:p>
             <a:pPr lvl="4"/>
             <a:r>
-              <a:rPr lang="en-US" smtClean="0"/>
+              <a:rPr lang="en-US"/>
               <a:t>Fifth level</a:t>
             </a:r>
-            <a:endParaRPr lang="en-US"/>
           </a:p>
         </p:txBody>
       </p:sp>
@@ -2939,7 +2928,7 @@
             <a:fld id="{CC7038AC-8AEE-4E60-9DCA-DB6DF0BF3ED1}" type="datetime1">
               <a:rPr lang="en-US"/>
               <a:pPr/>
-              <a:t>8/27/2016</a:t>
+              <a:t>5/22/2018</a:t>
             </a:fld>
             <a:endParaRPr lang="en-US"/>
           </a:p>
@@ -3045,10 +3034,9 @@
           <a:lstStyle/>
           <a:p>
             <a:r>
-              <a:rPr lang="en-US" smtClean="0"/>
+              <a:rPr lang="en-US"/>
               <a:t>Click to edit Master title style</a:t>
             </a:r>
-            <a:endParaRPr lang="en-US"/>
           </a:p>
         </p:txBody>
       </p:sp>
@@ -3074,38 +3062,37 @@
           <a:p>
             <a:pPr lvl="0"/>
             <a:r>
-              <a:rPr lang="en-US" smtClean="0"/>
+              <a:rPr lang="en-US"/>
               <a:t>Click to edit Master text styles</a:t>
             </a:r>
           </a:p>
           <a:p>
             <a:pPr lvl="1"/>
             <a:r>
-              <a:rPr lang="en-US" smtClean="0"/>
+              <a:rPr lang="en-US"/>
               <a:t>Second level</a:t>
             </a:r>
           </a:p>
           <a:p>
             <a:pPr lvl="2"/>
             <a:r>
-              <a:rPr lang="en-US" smtClean="0"/>
+              <a:rPr lang="en-US"/>
               <a:t>Third level</a:t>
             </a:r>
           </a:p>
           <a:p>
             <a:pPr lvl="3"/>
             <a:r>
-              <a:rPr lang="en-US" smtClean="0"/>
+              <a:rPr lang="en-US"/>
               <a:t>Fourth level</a:t>
             </a:r>
           </a:p>
           <a:p>
             <a:pPr lvl="4"/>
             <a:r>
-              <a:rPr lang="en-US" smtClean="0"/>
+              <a:rPr lang="en-US"/>
               <a:t>Fifth level</a:t>
             </a:r>
-            <a:endParaRPr lang="en-US"/>
           </a:p>
         </p:txBody>
       </p:sp>
@@ -3131,7 +3118,7 @@
             <a:fld id="{363180CE-8CC4-4E4A-80F8-CC77AA8EE793}" type="datetime1">
               <a:rPr lang="en-US"/>
               <a:pPr/>
-              <a:t>8/27/2016</a:t>
+              <a:t>5/22/2018</a:t>
             </a:fld>
             <a:endParaRPr lang="en-US"/>
           </a:p>
@@ -3232,10 +3219,9 @@
           <a:lstStyle/>
           <a:p>
             <a:r>
-              <a:rPr lang="en-US" smtClean="0"/>
+              <a:rPr lang="en-US"/>
               <a:t>Click to edit Master title style</a:t>
             </a:r>
-            <a:endParaRPr lang="en-US"/>
           </a:p>
         </p:txBody>
       </p:sp>
@@ -3256,38 +3242,37 @@
           <a:p>
             <a:pPr lvl="0"/>
             <a:r>
-              <a:rPr lang="en-US" smtClean="0"/>
+              <a:rPr lang="en-US"/>
               <a:t>Click to edit Master text styles</a:t>
             </a:r>
           </a:p>
           <a:p>
             <a:pPr lvl="1"/>
             <a:r>
-              <a:rPr lang="en-US" smtClean="0"/>
+              <a:rPr lang="en-US"/>
               <a:t>Second level</a:t>
             </a:r>
           </a:p>
           <a:p>
             <a:pPr lvl="2"/>
             <a:r>
-              <a:rPr lang="en-US" smtClean="0"/>
+              <a:rPr lang="en-US"/>
               <a:t>Third level</a:t>
             </a:r>
           </a:p>
           <a:p>
             <a:pPr lvl="3"/>
             <a:r>
-              <a:rPr lang="en-US" smtClean="0"/>
+              <a:rPr lang="en-US"/>
               <a:t>Fourth level</a:t>
             </a:r>
           </a:p>
           <a:p>
             <a:pPr lvl="4"/>
             <a:r>
-              <a:rPr lang="en-US" smtClean="0"/>
+              <a:rPr lang="en-US"/>
               <a:t>Fifth level</a:t>
             </a:r>
-            <a:endParaRPr lang="en-US"/>
           </a:p>
         </p:txBody>
       </p:sp>
@@ -3309,7 +3294,7 @@
             <a:fld id="{4C628CE9-AE0F-435C-860A-B1B09C18FFAD}" type="datetime1">
               <a:rPr lang="en-US" smtClean="0"/>
               <a:pPr/>
-              <a:t>8/27/2016</a:t>
+              <a:t>5/22/2018</a:t>
             </a:fld>
             <a:endParaRPr lang="en-US"/>
           </a:p>
@@ -3402,10 +3387,9 @@
           <a:lstStyle/>
           <a:p>
             <a:r>
-              <a:rPr lang="en-US" smtClean="0"/>
+              <a:rPr lang="en-US"/>
               <a:t>Click to edit Master title style</a:t>
             </a:r>
-            <a:endParaRPr lang="en-US"/>
           </a:p>
         </p:txBody>
       </p:sp>
@@ -3426,38 +3410,37 @@
           <a:p>
             <a:pPr lvl="0"/>
             <a:r>
-              <a:rPr lang="en-US" smtClean="0"/>
+              <a:rPr lang="en-US"/>
               <a:t>Click to edit Master text styles</a:t>
             </a:r>
           </a:p>
           <a:p>
             <a:pPr lvl="1"/>
             <a:r>
-              <a:rPr lang="en-US" smtClean="0"/>
+              <a:rPr lang="en-US"/>
               <a:t>Second level</a:t>
             </a:r>
           </a:p>
           <a:p>
             <a:pPr lvl="2"/>
             <a:r>
-              <a:rPr lang="en-US" smtClean="0"/>
+              <a:rPr lang="en-US"/>
               <a:t>Third level</a:t>
             </a:r>
           </a:p>
           <a:p>
             <a:pPr lvl="3"/>
             <a:r>
-              <a:rPr lang="en-US" smtClean="0"/>
+              <a:rPr lang="en-US"/>
               <a:t>Fourth level</a:t>
             </a:r>
           </a:p>
           <a:p>
             <a:pPr lvl="4"/>
             <a:r>
-              <a:rPr lang="en-US" smtClean="0"/>
+              <a:rPr lang="en-US"/>
               <a:t>Fifth level</a:t>
             </a:r>
-            <a:endParaRPr lang="en-US"/>
           </a:p>
         </p:txBody>
       </p:sp>
@@ -3483,7 +3466,7 @@
             <a:fld id="{D38B6C97-F615-45BE-992B-191B346EDC0D}" type="datetime1">
               <a:rPr lang="en-US"/>
               <a:pPr/>
-              <a:t>8/27/2016</a:t>
+              <a:t>5/22/2018</a:t>
             </a:fld>
             <a:endParaRPr lang="en-US"/>
           </a:p>
@@ -3548,13 +3531,6 @@
   <p:clrMapOvr>
     <a:masterClrMapping/>
   </p:clrMapOvr>
-  <p:timing>
-    <p:tnLst>
-      <p:par>
-        <p:cTn id="1" dur="indefinite" restart="never" nodeType="tmRoot"/>
-      </p:par>
-    </p:tnLst>
-  </p:timing>
 </p:sldLayout>
 </file>
 
@@ -3600,10 +3576,9 @@
           </a:lstStyle>
           <a:p>
             <a:r>
-              <a:rPr lang="en-US" smtClean="0"/>
+              <a:rPr lang="en-US"/>
               <a:t>Click to edit Master title style</a:t>
             </a:r>
-            <a:endParaRPr lang="en-US"/>
           </a:p>
         </p:txBody>
       </p:sp>
@@ -3720,7 +3695,7 @@
           <a:p>
             <a:pPr lvl="0"/>
             <a:r>
-              <a:rPr lang="en-US" smtClean="0"/>
+              <a:rPr lang="en-US"/>
               <a:t>Click to edit Master text styles</a:t>
             </a:r>
           </a:p>
@@ -3748,7 +3723,7 @@
             <a:fld id="{B4EABBC5-8CF2-4F1B-98C9-B2A1BD38CA52}" type="datetime1">
               <a:rPr lang="en-US"/>
               <a:pPr/>
-              <a:t>8/27/2016</a:t>
+              <a:t>5/22/2018</a:t>
             </a:fld>
             <a:endParaRPr lang="en-US"/>
           </a:p>
@@ -3849,10 +3824,9 @@
           <a:lstStyle/>
           <a:p>
             <a:r>
-              <a:rPr lang="en-US" smtClean="0"/>
+              <a:rPr lang="en-US"/>
               <a:t>Click to edit Master title style</a:t>
             </a:r>
-            <a:endParaRPr lang="en-US"/>
           </a:p>
         </p:txBody>
       </p:sp>
@@ -3906,38 +3880,37 @@
           <a:p>
             <a:pPr lvl="0"/>
             <a:r>
-              <a:rPr lang="en-US" smtClean="0"/>
+              <a:rPr lang="en-US"/>
               <a:t>Click to edit Master text styles</a:t>
             </a:r>
           </a:p>
           <a:p>
             <a:pPr lvl="1"/>
             <a:r>
-              <a:rPr lang="en-US" smtClean="0"/>
+              <a:rPr lang="en-US"/>
               <a:t>Second level</a:t>
             </a:r>
           </a:p>
           <a:p>
             <a:pPr lvl="2"/>
             <a:r>
-              <a:rPr lang="en-US" smtClean="0"/>
+              <a:rPr lang="en-US"/>
               <a:t>Third level</a:t>
             </a:r>
           </a:p>
           <a:p>
             <a:pPr lvl="3"/>
             <a:r>
-              <a:rPr lang="en-US" smtClean="0"/>
+              <a:rPr lang="en-US"/>
               <a:t>Fourth level</a:t>
             </a:r>
           </a:p>
           <a:p>
             <a:pPr lvl="4"/>
             <a:r>
-              <a:rPr lang="en-US" smtClean="0"/>
+              <a:rPr lang="en-US"/>
               <a:t>Fifth level</a:t>
             </a:r>
-            <a:endParaRPr lang="en-US"/>
           </a:p>
         </p:txBody>
       </p:sp>
@@ -3991,38 +3964,37 @@
           <a:p>
             <a:pPr lvl="0"/>
             <a:r>
-              <a:rPr lang="en-US" smtClean="0"/>
+              <a:rPr lang="en-US"/>
               <a:t>Click to edit Master text styles</a:t>
             </a:r>
           </a:p>
           <a:p>
             <a:pPr lvl="1"/>
             <a:r>
-              <a:rPr lang="en-US" smtClean="0"/>
+              <a:rPr lang="en-US"/>
               <a:t>Second level</a:t>
             </a:r>
           </a:p>
           <a:p>
             <a:pPr lvl="2"/>
             <a:r>
-              <a:rPr lang="en-US" smtClean="0"/>
+              <a:rPr lang="en-US"/>
               <a:t>Third level</a:t>
             </a:r>
           </a:p>
           <a:p>
             <a:pPr lvl="3"/>
             <a:r>
-              <a:rPr lang="en-US" smtClean="0"/>
+              <a:rPr lang="en-US"/>
               <a:t>Fourth level</a:t>
             </a:r>
           </a:p>
           <a:p>
             <a:pPr lvl="4"/>
             <a:r>
-              <a:rPr lang="en-US" smtClean="0"/>
+              <a:rPr lang="en-US"/>
               <a:t>Fifth level</a:t>
             </a:r>
-            <a:endParaRPr lang="en-US"/>
           </a:p>
         </p:txBody>
       </p:sp>
@@ -4048,7 +4020,7 @@
             <a:fld id="{31CC9C10-5890-4D53-849F-2A6B2FCA2C5A}" type="datetime1">
               <a:rPr lang="en-US"/>
               <a:pPr/>
-              <a:t>8/27/2016</a:t>
+              <a:t>5/22/2018</a:t>
             </a:fld>
             <a:endParaRPr lang="en-US"/>
           </a:p>
@@ -4153,10 +4125,9 @@
           </a:lstStyle>
           <a:p>
             <a:r>
-              <a:rPr lang="en-US" smtClean="0"/>
+              <a:rPr lang="en-US"/>
               <a:t>Click to edit Master title style</a:t>
             </a:r>
-            <a:endParaRPr lang="en-US"/>
           </a:p>
         </p:txBody>
       </p:sp>
@@ -4219,7 +4190,7 @@
           <a:p>
             <a:pPr lvl="0"/>
             <a:r>
-              <a:rPr lang="en-US" smtClean="0"/>
+              <a:rPr lang="en-US"/>
               <a:t>Click to edit Master text styles</a:t>
             </a:r>
           </a:p>
@@ -4275,38 +4246,37 @@
           <a:p>
             <a:pPr lvl="0"/>
             <a:r>
-              <a:rPr lang="en-US" smtClean="0"/>
+              <a:rPr lang="en-US"/>
               <a:t>Click to edit Master text styles</a:t>
             </a:r>
           </a:p>
           <a:p>
             <a:pPr lvl="1"/>
             <a:r>
-              <a:rPr lang="en-US" smtClean="0"/>
+              <a:rPr lang="en-US"/>
               <a:t>Second level</a:t>
             </a:r>
           </a:p>
           <a:p>
             <a:pPr lvl="2"/>
             <a:r>
-              <a:rPr lang="en-US" smtClean="0"/>
+              <a:rPr lang="en-US"/>
               <a:t>Third level</a:t>
             </a:r>
           </a:p>
           <a:p>
             <a:pPr lvl="3"/>
             <a:r>
-              <a:rPr lang="en-US" smtClean="0"/>
+              <a:rPr lang="en-US"/>
               <a:t>Fourth level</a:t>
             </a:r>
           </a:p>
           <a:p>
             <a:pPr lvl="4"/>
             <a:r>
-              <a:rPr lang="en-US" smtClean="0"/>
+              <a:rPr lang="en-US"/>
               <a:t>Fifth level</a:t>
             </a:r>
-            <a:endParaRPr lang="en-US"/>
           </a:p>
         </p:txBody>
       </p:sp>
@@ -4369,7 +4339,7 @@
           <a:p>
             <a:pPr lvl="0"/>
             <a:r>
-              <a:rPr lang="en-US" smtClean="0"/>
+              <a:rPr lang="en-US"/>
               <a:t>Click to edit Master text styles</a:t>
             </a:r>
           </a:p>
@@ -4425,38 +4395,37 @@
           <a:p>
             <a:pPr lvl="0"/>
             <a:r>
-              <a:rPr lang="en-US" smtClean="0"/>
+              <a:rPr lang="en-US"/>
               <a:t>Click to edit Master text styles</a:t>
             </a:r>
           </a:p>
           <a:p>
             <a:pPr lvl="1"/>
             <a:r>
-              <a:rPr lang="en-US" smtClean="0"/>
+              <a:rPr lang="en-US"/>
               <a:t>Second level</a:t>
             </a:r>
           </a:p>
           <a:p>
             <a:pPr lvl="2"/>
             <a:r>
-              <a:rPr lang="en-US" smtClean="0"/>
+              <a:rPr lang="en-US"/>
               <a:t>Third level</a:t>
             </a:r>
           </a:p>
           <a:p>
             <a:pPr lvl="3"/>
             <a:r>
-              <a:rPr lang="en-US" smtClean="0"/>
+              <a:rPr lang="en-US"/>
               <a:t>Fourth level</a:t>
             </a:r>
           </a:p>
           <a:p>
             <a:pPr lvl="4"/>
             <a:r>
-              <a:rPr lang="en-US" smtClean="0"/>
+              <a:rPr lang="en-US"/>
               <a:t>Fifth level</a:t>
             </a:r>
-            <a:endParaRPr lang="en-US"/>
           </a:p>
         </p:txBody>
       </p:sp>
@@ -4482,7 +4451,7 @@
             <a:fld id="{045017B1-7202-4E11-9ABE-661B113E2614}" type="datetime1">
               <a:rPr lang="en-US"/>
               <a:pPr/>
-              <a:t>8/27/2016</a:t>
+              <a:t>5/22/2018</a:t>
             </a:fld>
             <a:endParaRPr lang="en-US"/>
           </a:p>
@@ -4583,10 +4552,9 @@
           <a:lstStyle/>
           <a:p>
             <a:r>
-              <a:rPr lang="en-US" smtClean="0"/>
+              <a:rPr lang="en-US"/>
               <a:t>Click to edit Master title style</a:t>
             </a:r>
-            <a:endParaRPr lang="en-US"/>
           </a:p>
         </p:txBody>
       </p:sp>
@@ -4612,7 +4580,7 @@
             <a:fld id="{59F07B2B-D5DC-484F-94A5-1C41932D0447}" type="datetime1">
               <a:rPr lang="en-US"/>
               <a:pPr/>
-              <a:t>8/27/2016</a:t>
+              <a:t>5/22/2018</a:t>
             </a:fld>
             <a:endParaRPr lang="en-US"/>
           </a:p>
@@ -4719,7 +4687,7 @@
             <a:fld id="{4F0141F1-D84D-49D3-8A19-26141EEF1C0E}" type="datetime1">
               <a:rPr lang="en-US"/>
               <a:pPr/>
-              <a:t>8/27/2016</a:t>
+              <a:t>5/22/2018</a:t>
             </a:fld>
             <a:endParaRPr lang="en-US"/>
           </a:p>
@@ -4829,10 +4797,9 @@
           </a:lstStyle>
           <a:p>
             <a:r>
-              <a:rPr lang="en-US" smtClean="0"/>
+              <a:rPr lang="en-US"/>
               <a:t>Click to edit Master title style</a:t>
             </a:r>
-            <a:endParaRPr lang="en-US"/>
           </a:p>
         </p:txBody>
       </p:sp>
@@ -4886,38 +4853,37 @@
           <a:p>
             <a:pPr lvl="0"/>
             <a:r>
-              <a:rPr lang="en-US" smtClean="0"/>
+              <a:rPr lang="en-US"/>
               <a:t>Click to edit Master text styles</a:t>
             </a:r>
           </a:p>
           <a:p>
             <a:pPr lvl="1"/>
             <a:r>
-              <a:rPr lang="en-US" smtClean="0"/>
+              <a:rPr lang="en-US"/>
               <a:t>Second level</a:t>
             </a:r>
           </a:p>
           <a:p>
             <a:pPr lvl="2"/>
             <a:r>
-              <a:rPr lang="en-US" smtClean="0"/>
+              <a:rPr lang="en-US"/>
               <a:t>Third level</a:t>
             </a:r>
           </a:p>
           <a:p>
             <a:pPr lvl="3"/>
             <a:r>
-              <a:rPr lang="en-US" smtClean="0"/>
+              <a:rPr lang="en-US"/>
               <a:t>Fourth level</a:t>
             </a:r>
           </a:p>
           <a:p>
             <a:pPr lvl="4"/>
             <a:r>
-              <a:rPr lang="en-US" smtClean="0"/>
+              <a:rPr lang="en-US"/>
               <a:t>Fifth level</a:t>
             </a:r>
-            <a:endParaRPr lang="en-US"/>
           </a:p>
         </p:txBody>
       </p:sp>
@@ -4980,7 +4946,7 @@
           <a:p>
             <a:pPr lvl="0"/>
             <a:r>
-              <a:rPr lang="en-US" smtClean="0"/>
+              <a:rPr lang="en-US"/>
               <a:t>Click to edit Master text styles</a:t>
             </a:r>
           </a:p>
@@ -5008,7 +4974,7 @@
             <a:fld id="{83F00DB4-2F27-42FB-9C42-1A07646D9DBE}" type="datetime1">
               <a:rPr lang="en-US"/>
               <a:pPr/>
-              <a:t>8/27/2016</a:t>
+              <a:t>5/22/2018</a:t>
             </a:fld>
             <a:endParaRPr lang="en-US"/>
           </a:p>
@@ -5118,10 +5084,9 @@
           </a:lstStyle>
           <a:p>
             <a:r>
-              <a:rPr lang="en-US" smtClean="0"/>
+              <a:rPr lang="en-US"/>
               <a:t>Click to edit Master title style</a:t>
             </a:r>
-            <a:endParaRPr lang="en-US"/>
           </a:p>
         </p:txBody>
       </p:sp>
@@ -5185,7 +5150,7 @@
           </a:lstStyle>
           <a:p>
             <a:pPr lvl="0"/>
-            <a:endParaRPr lang="en-US" noProof="0" smtClean="0"/>
+            <a:endParaRPr lang="en-US" noProof="0"/>
           </a:p>
         </p:txBody>
       </p:sp>
@@ -5248,7 +5213,7 @@
           <a:p>
             <a:pPr lvl="0"/>
             <a:r>
-              <a:rPr lang="en-US" smtClean="0"/>
+              <a:rPr lang="en-US"/>
               <a:t>Click to edit Master text styles</a:t>
             </a:r>
           </a:p>
@@ -5276,7 +5241,7 @@
             <a:fld id="{7FCAF037-C160-4555-BB76-DB69B6438EAA}" type="datetime1">
               <a:rPr lang="en-US"/>
               <a:pPr/>
-              <a:t>8/27/2016</a:t>
+              <a:t>5/22/2018</a:t>
             </a:fld>
             <a:endParaRPr lang="en-US"/>
           </a:p>
@@ -5402,7 +5367,7 @@
           <a:p>
             <a:pPr lvl="0"/>
             <a:r>
-              <a:rPr lang="en-US" smtClean="0"/>
+              <a:rPr lang="en-US"/>
               <a:t>Click to edit Master title style</a:t>
             </a:r>
           </a:p>
@@ -5444,35 +5409,35 @@
           <a:p>
             <a:pPr lvl="0"/>
             <a:r>
-              <a:rPr lang="en-US" smtClean="0"/>
+              <a:rPr lang="en-US"/>
               <a:t>Click to edit Master text styles</a:t>
             </a:r>
           </a:p>
           <a:p>
             <a:pPr lvl="1"/>
             <a:r>
-              <a:rPr lang="en-US" smtClean="0"/>
+              <a:rPr lang="en-US"/>
               <a:t>Second level</a:t>
             </a:r>
           </a:p>
           <a:p>
             <a:pPr lvl="2"/>
             <a:r>
-              <a:rPr lang="en-US" smtClean="0"/>
+              <a:rPr lang="en-US"/>
               <a:t>Third level</a:t>
             </a:r>
           </a:p>
           <a:p>
             <a:pPr lvl="3"/>
             <a:r>
-              <a:rPr lang="en-US" smtClean="0"/>
+              <a:rPr lang="en-US"/>
               <a:t>Fourth level</a:t>
             </a:r>
           </a:p>
           <a:p>
             <a:pPr lvl="4"/>
             <a:r>
-              <a:rPr lang="en-US" smtClean="0"/>
+              <a:rPr lang="en-US"/>
               <a:t>Fifth level</a:t>
             </a:r>
           </a:p>
@@ -5516,7 +5481,7 @@
             <a:fld id="{4C628CE9-AE0F-435C-860A-B1B09C18FFAD}" type="datetime1">
               <a:rPr lang="en-US"/>
               <a:pPr/>
-              <a:t>8/27/2016</a:t>
+              <a:t>5/22/2018</a:t>
             </a:fld>
             <a:endParaRPr lang="en-US"/>
           </a:p>
@@ -5626,13 +5591,6 @@
     <p:sldLayoutId id="2147483661" r:id="rId11"/>
     <p:sldLayoutId id="2147483672" r:id="rId12"/>
   </p:sldLayoutIdLst>
-  <p:timing>
-    <p:tnLst>
-      <p:par>
-        <p:cTn id="1" dur="indefinite" restart="never" nodeType="tmRoot"/>
-      </p:par>
-    </p:tnLst>
-  </p:timing>
   <p:txStyles>
     <p:titleStyle>
       <a:lvl1pPr algn="ctr" defTabSz="457200" rtl="0" eaLnBrk="0" fontAlgn="base" hangingPunct="0">
@@ -6066,15 +6024,7 @@
             <a:pPr eaLnBrk="1" hangingPunct="1"/>
             <a:r>
               <a:rPr lang="en-US" dirty="0"/>
-              <a:t>L</a:t>
-            </a:r>
-            <a:r>
-              <a:rPr lang="en-US" dirty="0" smtClean="0"/>
-              <a:t>ung Volume and </a:t>
-            </a:r>
-            <a:r>
-              <a:rPr lang="en-US" dirty="0"/>
-              <a:t>Capacity</a:t>
+              <a:t>Lung Volume and Capacity</a:t>
             </a:r>
             <a:br>
               <a:rPr lang="en-US" dirty="0"/>
@@ -6086,7 +6036,7 @@
             <a:br>
               <a:rPr lang="en-US" dirty="0"/>
             </a:br>
-            <a:endParaRPr lang="en-US" dirty="0" smtClean="0"/>
+            <a:endParaRPr lang="en-US" dirty="0"/>
           </a:p>
         </p:txBody>
       </p:sp>
@@ -6118,7 +6068,7 @@
               <a:buNone/>
             </a:pPr>
             <a:r>
-              <a:rPr lang="en-US" sz="2800" dirty="0" smtClean="0"/>
+              <a:rPr lang="en-US" sz="2800" dirty="0"/>
               <a:t>Assigned reading:</a:t>
             </a:r>
           </a:p>
@@ -6131,7 +6081,7 @@
               <a:buNone/>
             </a:pPr>
             <a:r>
-              <a:rPr lang="en-US" sz="2000" b="1" dirty="0" smtClean="0">
+              <a:rPr lang="en-US" sz="2000" b="1" dirty="0">
                 <a:latin typeface="+mj-lt"/>
               </a:rPr>
               <a:t>Study Guide </a:t>
@@ -6146,13 +6096,13 @@
               <a:buNone/>
             </a:pPr>
             <a:r>
-              <a:rPr lang="en-US" sz="2000" b="1" dirty="0" err="1" smtClean="0">
+              <a:rPr lang="en-US" sz="2000" b="1" dirty="0" err="1">
                 <a:latin typeface="+mj-lt"/>
               </a:rPr>
               <a:t>Pgs</a:t>
             </a:r>
             <a:r>
-              <a:rPr lang="en-US" sz="2000" b="1" dirty="0" smtClean="0">
+              <a:rPr lang="en-US" sz="2000" b="1" dirty="0">
                 <a:latin typeface="+mj-lt"/>
               </a:rPr>
               <a:t> 14-17</a:t>
@@ -6163,22 +6113,10 @@
               <a:buNone/>
             </a:pPr>
             <a:r>
-              <a:rPr lang="en-US" sz="2000" b="1" dirty="0" smtClean="0">
-                <a:latin typeface="+mj-lt"/>
-              </a:rPr>
-              <a:t>  Guyton: Ch. 38, Pulmonary </a:t>
-            </a:r>
-            <a:r>
               <a:rPr lang="en-US" sz="2000" b="1" dirty="0">
                 <a:latin typeface="+mj-lt"/>
               </a:rPr>
-              <a:t>Volumes and </a:t>
-            </a:r>
-            <a:r>
-              <a:rPr lang="en-US" sz="2000" b="1" dirty="0" smtClean="0">
-                <a:latin typeface="+mj-lt"/>
-              </a:rPr>
-              <a:t>Capacities </a:t>
+              <a:t>  Guyton: Ch. 38, Pulmonary Volumes and Capacities </a:t>
             </a:r>
           </a:p>
           <a:p>
@@ -6186,20 +6124,17 @@
               <a:buNone/>
             </a:pPr>
             <a:r>
-              <a:rPr lang="en-US" sz="2000" b="1" dirty="0" err="1" smtClean="0">
+              <a:rPr lang="en-US" sz="2000" b="1" dirty="0" err="1">
                 <a:latin typeface="+mj-lt"/>
               </a:rPr>
               <a:t>Pgs</a:t>
             </a:r>
             <a:r>
-              <a:rPr lang="en-US" sz="2000" b="1" dirty="0" smtClean="0">
+              <a:rPr lang="en-US" sz="2000" b="1" dirty="0">
                 <a:latin typeface="+mj-lt"/>
               </a:rPr>
               <a:t> 501-502</a:t>
             </a:r>
-            <a:endParaRPr lang="en-US" sz="2000" b="1" dirty="0">
-              <a:latin typeface="+mj-lt"/>
-            </a:endParaRPr>
           </a:p>
           <a:p>
             <a:pPr marL="0" indent="0" algn="ctr">
@@ -6210,7 +6145,7 @@
               <a:buNone/>
             </a:pPr>
             <a:r>
-              <a:rPr lang="en-US" sz="2800" dirty="0" smtClean="0"/>
+              <a:rPr lang="en-US" sz="2800" dirty="0"/>
               <a:t>  </a:t>
             </a:r>
           </a:p>
@@ -6239,16 +6174,15 @@
           <a:lstStyle/>
           <a:p>
             <a:r>
-              <a:rPr lang="en-US" dirty="0" smtClean="0"/>
+              <a:rPr lang="en-US" dirty="0"/>
               <a:t>Dr. Lucero</a:t>
             </a:r>
           </a:p>
           <a:p>
             <a:r>
-              <a:rPr lang="en-US" dirty="0" smtClean="0"/>
+              <a:rPr lang="en-US" dirty="0"/>
               <a:t>Dept. of Neuroscience &amp; Physiology</a:t>
             </a:r>
-            <a:endParaRPr lang="en-US" dirty="0"/>
           </a:p>
         </p:txBody>
       </p:sp>
@@ -6282,7 +6216,7 @@
               </a:spcBef>
             </a:pPr>
             <a:r>
-              <a:rPr lang="en-US" sz="2000" dirty="0" smtClean="0">
+              <a:rPr lang="en-US" sz="2000" dirty="0">
                 <a:solidFill>
                   <a:prstClr val="black"/>
                 </a:solidFill>
@@ -6301,22 +6235,13 @@
               </a:spcBef>
             </a:pPr>
             <a:r>
-              <a:rPr lang="en-US" sz="2000" dirty="0" smtClean="0">
-                <a:solidFill>
-                  <a:prstClr val="black"/>
-                </a:solidFill>
-                <a:latin typeface="Calibri"/>
-              </a:rPr>
-              <a:t>Costanzo</a:t>
-            </a:r>
-            <a:r>
               <a:rPr lang="en-US" sz="2000" dirty="0">
                 <a:solidFill>
                   <a:prstClr val="black"/>
                 </a:solidFill>
                 <a:latin typeface="Calibri"/>
               </a:rPr>
-              <a:t>. </a:t>
+              <a:t>Costanzo. </a:t>
             </a:r>
             <a:r>
               <a:rPr lang="en-US" sz="2000" u="sng" dirty="0">
@@ -6393,13 +6318,6 @@
   <p:clrMapOvr>
     <a:masterClrMapping/>
   </p:clrMapOvr>
-  <p:timing>
-    <p:tnLst>
-      <p:par>
-        <p:cTn id="1" dur="indefinite" restart="never" nodeType="tmRoot"/>
-      </p:par>
-    </p:tnLst>
-  </p:timing>
 </p:sld>
 </file>
 
@@ -6442,7 +6360,7 @@
           <a:p>
             <a:pPr lvl="0" algn="l" eaLnBrk="1" hangingPunct="1"/>
             <a:r>
-              <a:rPr lang="en-US" sz="2400" dirty="0" smtClean="0">
+              <a:rPr lang="en-US" sz="2400" dirty="0">
                 <a:solidFill>
                   <a:prstClr val="black"/>
                 </a:solidFill>
@@ -6452,7 +6370,7 @@
               <a:t>Your friend runs up the stairs to the 5th floor because</a:t>
             </a:r>
             <a:br>
-              <a:rPr lang="en-US" sz="2400" dirty="0" smtClean="0">
+              <a:rPr lang="en-US" sz="2400" dirty="0">
                 <a:solidFill>
                   <a:prstClr val="black"/>
                 </a:solidFill>
@@ -6461,7 +6379,7 @@
               </a:rPr>
             </a:br>
             <a:r>
-              <a:rPr lang="en-US" sz="2400" dirty="0" smtClean="0">
+              <a:rPr lang="en-US" sz="2400" dirty="0">
                 <a:solidFill>
                   <a:prstClr val="black"/>
                 </a:solidFill>
@@ -6471,7 +6389,7 @@
               <a:t>the exam is about to start. When she sits down, you</a:t>
             </a:r>
             <a:br>
-              <a:rPr lang="en-US" sz="2400" dirty="0" smtClean="0">
+              <a:rPr lang="en-US" sz="2400" dirty="0">
                 <a:solidFill>
                   <a:prstClr val="black"/>
                 </a:solidFill>
@@ -6480,7 +6398,7 @@
               </a:rPr>
             </a:br>
             <a:r>
-              <a:rPr lang="en-US" sz="2400" dirty="0" smtClean="0">
+              <a:rPr lang="en-US" sz="2400" dirty="0">
                 <a:solidFill>
                   <a:prstClr val="black"/>
                 </a:solidFill>
@@ -6490,7 +6408,7 @@
               <a:t>observe that her breathing frequency (no. of breaths/</a:t>
             </a:r>
             <a:br>
-              <a:rPr lang="en-US" sz="2400" dirty="0" smtClean="0">
+              <a:rPr lang="en-US" sz="2400" dirty="0">
                 <a:solidFill>
                   <a:prstClr val="black"/>
                 </a:solidFill>
@@ -6499,7 +6417,7 @@
               </a:rPr>
             </a:br>
             <a:r>
-              <a:rPr lang="en-US" sz="2400" dirty="0" smtClean="0">
+              <a:rPr lang="en-US" sz="2400" dirty="0">
                 <a:solidFill>
                   <a:prstClr val="black"/>
                 </a:solidFill>
@@ -6509,7 +6427,7 @@
               <a:t>min) is markedly increased. You also note that her depth of breathing (the volume of air she inhales/breath) is</a:t>
             </a:r>
             <a:br>
-              <a:rPr lang="en-US" sz="2400" dirty="0" smtClean="0">
+              <a:rPr lang="en-US" sz="2400" dirty="0">
                 <a:solidFill>
                   <a:prstClr val="black"/>
                 </a:solidFill>
@@ -6518,7 +6436,7 @@
               </a:rPr>
             </a:br>
             <a:r>
-              <a:rPr lang="en-US" sz="2400" dirty="0" smtClean="0">
+              <a:rPr lang="en-US" sz="2400" dirty="0">
                 <a:solidFill>
                   <a:prstClr val="black"/>
                 </a:solidFill>
@@ -6527,13 +6445,6 @@
               </a:rPr>
               <a:t>______________ at rest.</a:t>
             </a:r>
-            <a:endParaRPr lang="en-US" sz="2400" dirty="0">
-              <a:solidFill>
-                <a:prstClr val="black"/>
-              </a:solidFill>
-              <a:latin typeface="Arial" pitchFamily="34" charset="0"/>
-              <a:cs typeface="+mn-cs"/>
-            </a:endParaRPr>
           </a:p>
         </p:txBody>
       </p:sp>
@@ -6562,7 +6473,7 @@
           <a:graphicData uri="http://schemas.openxmlformats.org/presentationml/2006/ole">
             <mc:AlternateContent xmlns:mc="http://schemas.openxmlformats.org/markup-compatibility/2006">
               <mc:Choice xmlns:v="urn:schemas-microsoft-com:vml" Requires="v">
-                <p:oleObj spid="_x0000_s109659" name="Chart" r:id="rId8" imgW="4572000" imgH="5143500" progId="MSGraph.Chart.8">
+                <p:oleObj spid="_x0000_s109660" name="Chart" r:id="rId8" imgW="4572000" imgH="5143500" progId="MSGraph.Chart.8">
                   <p:embed followColorScheme="full"/>
                 </p:oleObj>
               </mc:Choice>
@@ -6643,7 +6554,7 @@
               <a:buAutoNum type="arabicPeriod"/>
             </a:pPr>
             <a:r>
-              <a:rPr lang="en-US" dirty="0" smtClean="0"/>
+              <a:rPr lang="en-US" dirty="0"/>
               <a:t>greater than</a:t>
             </a:r>
           </a:p>
@@ -6656,7 +6567,7 @@
               <a:buAutoNum type="arabicPeriod"/>
             </a:pPr>
             <a:r>
-              <a:rPr lang="en-US" dirty="0" smtClean="0"/>
+              <a:rPr lang="en-US" dirty="0"/>
               <a:t>less than</a:t>
             </a:r>
           </a:p>
@@ -6669,10 +6580,9 @@
               <a:buAutoNum type="arabicPeriod"/>
             </a:pPr>
             <a:r>
-              <a:rPr lang="en-US" dirty="0" smtClean="0"/>
+              <a:rPr lang="en-US" dirty="0"/>
               <a:t>the same as</a:t>
             </a:r>
-            <a:endParaRPr lang="en-US" dirty="0"/>
           </a:p>
         </p:txBody>
       </p:sp>
@@ -6737,7 +6647,7 @@
           <a:p>
             <a:pPr algn="ctr"/>
             <a:r>
-              <a:rPr lang="en-US" sz="2000" smtClean="0">
+              <a:rPr lang="en-US" sz="2000">
                 <a:solidFill>
                   <a:schemeClr val="tx1"/>
                 </a:solidFill>
@@ -6745,12 +6655,6 @@
               </a:rPr>
               <a:t>0 of 0</a:t>
             </a:r>
-            <a:endParaRPr lang="en-US" sz="2000">
-              <a:solidFill>
-                <a:schemeClr val="tx1"/>
-              </a:solidFill>
-              <a:latin typeface="Tahoma"/>
-            </a:endParaRPr>
           </a:p>
         </p:txBody>
       </p:sp>
@@ -6882,7 +6786,7 @@
           <a:p>
             <a:pPr eaLnBrk="1" hangingPunct="1"/>
             <a:r>
-              <a:rPr lang="en-US" dirty="0" smtClean="0"/>
+              <a:rPr lang="en-US" dirty="0"/>
               <a:t>Lung Capacities</a:t>
             </a:r>
           </a:p>
@@ -6936,13 +6840,8 @@
             </a:r>
             <a:r>
               <a:rPr lang="en-US" dirty="0"/>
-              <a:t> + ERV + </a:t>
-            </a:r>
-            <a:r>
-              <a:rPr lang="en-US" dirty="0" smtClean="0"/>
-              <a:t>RV  ~6 liters</a:t>
-            </a:r>
-            <a:endParaRPr lang="en-US" dirty="0"/>
+              <a:t> + ERV + RV  ~6 liters</a:t>
+            </a:r>
           </a:p>
           <a:p>
             <a:pPr eaLnBrk="1" hangingPunct="1">
@@ -6951,15 +6850,15 @@
               </a:lnSpc>
             </a:pPr>
             <a:r>
-              <a:rPr lang="en-US" b="1" u="sng" dirty="0" smtClean="0"/>
+              <a:rPr lang="en-US" b="1" u="sng" dirty="0"/>
               <a:t>Inspiratory Capacity </a:t>
             </a:r>
             <a:r>
-              <a:rPr lang="en-US" u="sng" dirty="0" smtClean="0"/>
+              <a:rPr lang="en-US" u="sng" dirty="0"/>
               <a:t>(</a:t>
             </a:r>
             <a:r>
-              <a:rPr lang="en-US" dirty="0" smtClean="0"/>
+              <a:rPr lang="en-US" dirty="0"/>
               <a:t>IC)</a:t>
             </a:r>
           </a:p>
@@ -6972,15 +6871,15 @@
               <a:buChar char="•"/>
             </a:pPr>
             <a:r>
-              <a:rPr lang="en-US" dirty="0" smtClean="0"/>
+              <a:rPr lang="en-US" dirty="0"/>
               <a:t>V</a:t>
             </a:r>
             <a:r>
-              <a:rPr lang="en-US" baseline="-25000" dirty="0" smtClean="0"/>
+              <a:rPr lang="en-US" baseline="-25000" dirty="0"/>
               <a:t>T</a:t>
             </a:r>
             <a:r>
-              <a:rPr lang="en-US" dirty="0" smtClean="0"/>
+              <a:rPr lang="en-US" dirty="0"/>
               <a:t> plus IRV (resting level to full inspiration)</a:t>
             </a:r>
           </a:p>
@@ -6991,15 +6890,15 @@
               </a:lnSpc>
             </a:pPr>
             <a:r>
-              <a:rPr lang="en-US" b="1" u="sng" dirty="0" smtClean="0"/>
+              <a:rPr lang="en-US" b="1" u="sng" dirty="0"/>
               <a:t>Functional Residual Capacity </a:t>
             </a:r>
             <a:r>
-              <a:rPr lang="en-US" u="sng" dirty="0" smtClean="0"/>
+              <a:rPr lang="en-US" u="sng" dirty="0"/>
               <a:t>(</a:t>
             </a:r>
             <a:r>
-              <a:rPr lang="en-US" dirty="0" smtClean="0"/>
+              <a:rPr lang="en-US" dirty="0"/>
               <a:t>FRC) “resting”</a:t>
             </a:r>
           </a:p>
@@ -7010,7 +6909,7 @@
               </a:lnSpc>
             </a:pPr>
             <a:r>
-              <a:rPr lang="en-US" dirty="0" smtClean="0"/>
+              <a:rPr lang="en-US" dirty="0"/>
               <a:t>ERV plus RV (what remains after a normal breath)</a:t>
             </a:r>
           </a:p>
@@ -7021,11 +6920,11 @@
               </a:lnSpc>
             </a:pPr>
             <a:r>
-              <a:rPr lang="en-US" b="1" u="sng" dirty="0" smtClean="0"/>
+              <a:rPr lang="en-US" b="1" u="sng" dirty="0"/>
               <a:t>Vital Capacity </a:t>
             </a:r>
             <a:r>
-              <a:rPr lang="en-US" dirty="0" smtClean="0"/>
+              <a:rPr lang="en-US" dirty="0"/>
               <a:t>–From Maximal Inspiration to Maximal Expiration</a:t>
             </a:r>
           </a:p>
@@ -7038,15 +6937,15 @@
               <a:buChar char="•"/>
             </a:pPr>
             <a:r>
-              <a:rPr lang="en-US" dirty="0" smtClean="0"/>
+              <a:rPr lang="en-US" dirty="0"/>
               <a:t>IC (IRV + V</a:t>
             </a:r>
             <a:r>
-              <a:rPr lang="en-US" baseline="-25000" dirty="0" smtClean="0"/>
+              <a:rPr lang="en-US" baseline="-25000" dirty="0"/>
               <a:t>T</a:t>
             </a:r>
             <a:r>
-              <a:rPr lang="en-US" dirty="0" smtClean="0"/>
+              <a:rPr lang="en-US" dirty="0"/>
               <a:t>) + ERV</a:t>
             </a:r>
           </a:p>
@@ -7059,7 +6958,7 @@
               <a:buChar char="•"/>
             </a:pPr>
             <a:r>
-              <a:rPr lang="en-US" dirty="0" smtClean="0"/>
+              <a:rPr lang="en-US" dirty="0"/>
               <a:t>Forced Vital Capacity (FVC)</a:t>
             </a:r>
           </a:p>
@@ -7072,15 +6971,15 @@
               <a:buChar char="•"/>
             </a:pPr>
             <a:r>
-              <a:rPr lang="en-US" dirty="0" smtClean="0"/>
+              <a:rPr lang="en-US" dirty="0"/>
               <a:t>FEV</a:t>
             </a:r>
             <a:r>
-              <a:rPr lang="en-US" baseline="-25000" dirty="0" smtClean="0"/>
+              <a:rPr lang="en-US" baseline="-25000" dirty="0"/>
               <a:t>1</a:t>
             </a:r>
             <a:r>
-              <a:rPr lang="en-US" dirty="0" smtClean="0"/>
+              <a:rPr lang="en-US" dirty="0"/>
               <a:t> = 80% FVC</a:t>
             </a:r>
           </a:p>
@@ -7090,7 +6989,7 @@
                 <a:spcPct val="90000"/>
               </a:lnSpc>
             </a:pPr>
-            <a:endParaRPr lang="en-US" dirty="0" smtClean="0"/>
+            <a:endParaRPr lang="en-US" dirty="0"/>
           </a:p>
         </p:txBody>
       </p:sp>
@@ -7831,7 +7730,7 @@
           <a:lstStyle/>
           <a:p>
             <a:r>
-              <a:rPr lang="en-US" dirty="0" smtClean="0"/>
+              <a:rPr lang="en-US" dirty="0"/>
               <a:t>Elastic Recoil of Chest Wall &amp; Lungs Determines FRC</a:t>
             </a:r>
           </a:p>
@@ -7858,32 +7757,32 @@
           <a:lstStyle/>
           <a:p>
             <a:r>
-              <a:rPr lang="en-US" dirty="0" smtClean="0"/>
+              <a:rPr lang="en-US" dirty="0"/>
               <a:t>Chest wall normally tries to spring out*</a:t>
             </a:r>
           </a:p>
           <a:p>
             <a:r>
-              <a:rPr lang="en-US" dirty="0" smtClean="0"/>
+              <a:rPr lang="en-US" dirty="0"/>
               <a:t>Lungs normally try to collapse</a:t>
             </a:r>
           </a:p>
           <a:p>
             <a:r>
-              <a:rPr lang="en-US" dirty="0" smtClean="0"/>
+              <a:rPr lang="en-US" dirty="0"/>
               <a:t>Position at which these two forces balance each other is resting position = FRC</a:t>
             </a:r>
           </a:p>
           <a:p>
             <a:pPr lvl="1"/>
             <a:r>
-              <a:rPr lang="en-US" dirty="0" smtClean="0"/>
+              <a:rPr lang="en-US" dirty="0"/>
               <a:t>Is the lung capacity you come to after each normal breath</a:t>
             </a:r>
           </a:p>
           <a:p>
             <a:r>
-              <a:rPr lang="en-US" dirty="0" smtClean="0"/>
+              <a:rPr lang="en-US" dirty="0"/>
               <a:t>Always have air remaining in lung – even after forced expiration = RV</a:t>
             </a:r>
           </a:p>
@@ -8293,10 +8192,9 @@
           <a:lstStyle/>
           <a:p>
             <a:r>
-              <a:rPr lang="en-US" dirty="0" smtClean="0"/>
+              <a:rPr lang="en-US" dirty="0"/>
               <a:t>Effects of Aging on Lung Volumes and Capacities</a:t>
             </a:r>
-            <a:endParaRPr lang="en-US" dirty="0"/>
           </a:p>
         </p:txBody>
       </p:sp>
@@ -8316,42 +8214,34 @@
           <a:lstStyle/>
           <a:p>
             <a:r>
-              <a:rPr lang="en-US" dirty="0" smtClean="0"/>
+              <a:rPr lang="en-US" dirty="0"/>
               <a:t>With normal aging, elastic recoil of lung tissues decreases.</a:t>
             </a:r>
           </a:p>
           <a:p>
             <a:r>
-              <a:rPr lang="en-US" dirty="0" smtClean="0"/>
-              <a:t>this </a:t>
-            </a:r>
-            <a:r>
               <a:rPr lang="en-US" dirty="0"/>
-              <a:t>causes </a:t>
-            </a:r>
-            <a:r>
-              <a:rPr lang="en-US" dirty="0" smtClean="0">
+              <a:t>this causes </a:t>
+            </a:r>
+            <a:r>
+              <a:rPr lang="en-US" dirty="0">
                 <a:sym typeface="Symbol"/>
               </a:rPr>
               <a:t></a:t>
             </a:r>
             <a:r>
-              <a:rPr lang="en-US" dirty="0" smtClean="0"/>
+              <a:rPr lang="en-US" dirty="0"/>
               <a:t> RV, </a:t>
             </a:r>
             <a:r>
-              <a:rPr lang="en-US" dirty="0" smtClean="0">
+              <a:rPr lang="en-US" dirty="0">
                 <a:sym typeface="Symbol"/>
               </a:rPr>
               <a:t></a:t>
             </a:r>
             <a:r>
-              <a:rPr lang="en-US" dirty="0" smtClean="0"/>
-              <a:t> FRC </a:t>
-            </a:r>
-            <a:r>
               <a:rPr lang="en-US" dirty="0"/>
-              <a:t>and </a:t>
+              <a:t> FRC and </a:t>
             </a:r>
             <a:r>
               <a:rPr lang="en-US" dirty="0">
@@ -8493,10 +8383,9 @@
           <a:lstStyle/>
           <a:p>
             <a:r>
-              <a:rPr lang="en-US" dirty="0" smtClean="0"/>
+              <a:rPr lang="en-US" dirty="0"/>
               <a:t>TLC</a:t>
             </a:r>
-            <a:endParaRPr lang="en-US" dirty="0"/>
           </a:p>
         </p:txBody>
       </p:sp>
@@ -8510,13 +8399,6 @@
   <p:clrMapOvr>
     <a:masterClrMapping/>
   </p:clrMapOvr>
-  <p:timing>
-    <p:tnLst>
-      <p:par>
-        <p:cTn id="1" dur="indefinite" restart="never" nodeType="tmRoot"/>
-      </p:par>
-    </p:tnLst>
-  </p:timing>
 </p:sld>
 </file>
 
@@ -8601,7 +8483,7 @@
           <a:lstStyle/>
           <a:p>
             <a:r>
-              <a:rPr lang="en-US" sz="2800" dirty="0" smtClean="0"/>
+              <a:rPr lang="en-US" sz="2800" dirty="0"/>
               <a:t>Body Position Affects Lung Volumes and Capacities</a:t>
             </a:r>
           </a:p>
@@ -8610,30 +8492,25 @@
               <a:rPr lang="en-US" dirty="0"/>
               <a:t>	</a:t>
             </a:r>
-            <a:endParaRPr lang="en-US" dirty="0" smtClean="0"/>
-          </a:p>
-          <a:p>
-            <a:r>
-              <a:rPr lang="en-US" sz="2400" dirty="0" smtClean="0"/>
+          </a:p>
+          <a:p>
+            <a:r>
+              <a:rPr lang="en-US" sz="2400" dirty="0"/>
               <a:t>1. Lying down </a:t>
             </a:r>
             <a:r>
-              <a:rPr lang="en-US" sz="2400" u="sng" dirty="0" smtClean="0"/>
+              <a:rPr lang="en-US" sz="2400" u="sng" dirty="0"/>
               <a:t>decreases</a:t>
             </a:r>
             <a:r>
-              <a:rPr lang="en-US" sz="2400" dirty="0" smtClean="0"/>
+              <a:rPr lang="en-US" sz="2400" dirty="0"/>
               <a:t> FRC</a:t>
             </a:r>
           </a:p>
           <a:p>
             <a:r>
               <a:rPr lang="en-US" sz="2400" dirty="0"/>
-              <a:t>	</a:t>
-            </a:r>
-            <a:r>
-              <a:rPr lang="en-US" sz="2400" dirty="0" smtClean="0"/>
-              <a:t>    abdominal contents shift toward thorax and </a:t>
+              <a:t>	    abdominal contents shift toward thorax and </a:t>
             </a:r>
             <a:r>
               <a:rPr lang="en-US" sz="2400" dirty="0">
@@ -8650,20 +8527,12 @@
                 <a:ea typeface="Calibri" pitchFamily="34" charset="0"/>
                 <a:cs typeface="Arial" pitchFamily="34" charset="0"/>
               </a:rPr>
-              <a:t> </a:t>
-            </a:r>
-            <a:r>
-              <a:rPr lang="en-US" sz="2400" dirty="0" smtClean="0">
-                <a:latin typeface="Helvetica"/>
-                <a:ea typeface="Calibri" pitchFamily="34" charset="0"/>
-                <a:cs typeface="Arial" pitchFamily="34" charset="0"/>
-              </a:rPr>
-              <a:t>ERV</a:t>
-            </a:r>
-          </a:p>
-          <a:p>
-            <a:r>
-              <a:rPr lang="en-US" sz="2400" dirty="0" smtClean="0">
+              <a:t> ERV</a:t>
+            </a:r>
+          </a:p>
+          <a:p>
+            <a:r>
+              <a:rPr lang="en-US" sz="2400" dirty="0">
                 <a:latin typeface="Helvetica"/>
                 <a:cs typeface="Arial" pitchFamily="34" charset="0"/>
               </a:rPr>
@@ -8977,10 +8846,9 @@
           <a:lstStyle/>
           <a:p>
             <a:r>
-              <a:rPr lang="en-US" dirty="0" smtClean="0"/>
+              <a:rPr lang="en-US" dirty="0"/>
               <a:t>IRV</a:t>
             </a:r>
-            <a:endParaRPr lang="en-US" dirty="0"/>
           </a:p>
         </p:txBody>
       </p:sp>
@@ -9007,10 +8875,9 @@
           <a:lstStyle/>
           <a:p>
             <a:r>
-              <a:rPr lang="en-US" dirty="0" smtClean="0"/>
+              <a:rPr lang="en-US" dirty="0"/>
               <a:t>IRV</a:t>
             </a:r>
-            <a:endParaRPr lang="en-US" dirty="0"/>
           </a:p>
         </p:txBody>
       </p:sp>
@@ -9037,10 +8904,9 @@
           <a:lstStyle/>
           <a:p>
             <a:r>
-              <a:rPr lang="en-US" dirty="0" smtClean="0"/>
+              <a:rPr lang="en-US" dirty="0"/>
               <a:t>ERV</a:t>
             </a:r>
-            <a:endParaRPr lang="en-US" dirty="0"/>
           </a:p>
         </p:txBody>
       </p:sp>
@@ -9067,10 +8933,9 @@
           <a:lstStyle/>
           <a:p>
             <a:r>
-              <a:rPr lang="en-US" dirty="0" smtClean="0"/>
+              <a:rPr lang="en-US" dirty="0"/>
               <a:t>ERV</a:t>
             </a:r>
-            <a:endParaRPr lang="en-US" dirty="0"/>
           </a:p>
         </p:txBody>
       </p:sp>
@@ -9097,10 +8962,9 @@
           <a:lstStyle/>
           <a:p>
             <a:r>
-              <a:rPr lang="en-US" dirty="0" smtClean="0"/>
+              <a:rPr lang="en-US" dirty="0"/>
               <a:t>RV</a:t>
             </a:r>
-            <a:endParaRPr lang="en-US" dirty="0"/>
           </a:p>
         </p:txBody>
       </p:sp>
@@ -9127,10 +8991,9 @@
           <a:lstStyle/>
           <a:p>
             <a:r>
-              <a:rPr lang="en-US" dirty="0" smtClean="0"/>
+              <a:rPr lang="en-US" dirty="0"/>
               <a:t>RV</a:t>
             </a:r>
-            <a:endParaRPr lang="en-US" dirty="0"/>
           </a:p>
         </p:txBody>
       </p:sp>
@@ -9157,10 +9020,9 @@
           <a:lstStyle/>
           <a:p>
             <a:r>
-              <a:rPr lang="en-US" dirty="0" smtClean="0"/>
+              <a:rPr lang="en-US" dirty="0"/>
               <a:t>IC</a:t>
             </a:r>
-            <a:endParaRPr lang="en-US" dirty="0"/>
           </a:p>
         </p:txBody>
       </p:sp>
@@ -9187,10 +9049,9 @@
           <a:lstStyle/>
           <a:p>
             <a:r>
-              <a:rPr lang="en-US" dirty="0" smtClean="0"/>
+              <a:rPr lang="en-US" dirty="0"/>
               <a:t>VC</a:t>
             </a:r>
-            <a:endParaRPr lang="en-US" dirty="0"/>
           </a:p>
         </p:txBody>
       </p:sp>
@@ -9217,10 +9078,9 @@
           <a:lstStyle/>
           <a:p>
             <a:r>
-              <a:rPr lang="en-US" dirty="0" smtClean="0"/>
+              <a:rPr lang="en-US" dirty="0"/>
               <a:t>IC</a:t>
             </a:r>
-            <a:endParaRPr lang="en-US" dirty="0"/>
           </a:p>
         </p:txBody>
       </p:sp>
@@ -9247,14 +9107,13 @@
           <a:lstStyle/>
           <a:p>
             <a:r>
-              <a:rPr lang="en-US" dirty="0" smtClean="0"/>
+              <a:rPr lang="en-US" dirty="0"/>
               <a:t>V</a:t>
             </a:r>
             <a:r>
-              <a:rPr lang="en-US" baseline="-25000" dirty="0" smtClean="0"/>
+              <a:rPr lang="en-US" baseline="-25000" dirty="0"/>
               <a:t>T</a:t>
             </a:r>
-            <a:endParaRPr lang="en-US" baseline="-25000" dirty="0"/>
           </a:p>
         </p:txBody>
       </p:sp>
@@ -9281,14 +9140,13 @@
           <a:lstStyle/>
           <a:p>
             <a:r>
-              <a:rPr lang="en-US" dirty="0" smtClean="0"/>
+              <a:rPr lang="en-US" dirty="0"/>
               <a:t>V</a:t>
             </a:r>
             <a:r>
-              <a:rPr lang="en-US" baseline="-25000" dirty="0" smtClean="0"/>
+              <a:rPr lang="en-US" baseline="-25000" dirty="0"/>
               <a:t>T</a:t>
             </a:r>
-            <a:endParaRPr lang="en-US" baseline="-25000" dirty="0"/>
           </a:p>
         </p:txBody>
       </p:sp>
@@ -9315,10 +9173,9 @@
           <a:lstStyle/>
           <a:p>
             <a:r>
-              <a:rPr lang="en-US" dirty="0" smtClean="0"/>
+              <a:rPr lang="en-US" dirty="0"/>
               <a:t>TLC</a:t>
             </a:r>
-            <a:endParaRPr lang="en-US" dirty="0"/>
           </a:p>
         </p:txBody>
       </p:sp>
@@ -9345,10 +9202,9 @@
           <a:lstStyle/>
           <a:p>
             <a:r>
-              <a:rPr lang="en-US" dirty="0" smtClean="0"/>
+              <a:rPr lang="en-US" dirty="0"/>
               <a:t>FRC</a:t>
             </a:r>
-            <a:endParaRPr lang="en-US" dirty="0"/>
           </a:p>
         </p:txBody>
       </p:sp>
@@ -9375,10 +9231,9 @@
           <a:lstStyle/>
           <a:p>
             <a:r>
-              <a:rPr lang="en-US" dirty="0" smtClean="0"/>
+              <a:rPr lang="en-US" dirty="0"/>
               <a:t>FRC</a:t>
             </a:r>
-            <a:endParaRPr lang="en-US" dirty="0"/>
           </a:p>
         </p:txBody>
       </p:sp>
@@ -9405,10 +9260,9 @@
           <a:lstStyle/>
           <a:p>
             <a:r>
-              <a:rPr lang="en-US" dirty="0" smtClean="0"/>
+              <a:rPr lang="en-US" dirty="0"/>
               <a:t>Standing</a:t>
             </a:r>
-            <a:endParaRPr lang="en-US" dirty="0"/>
           </a:p>
         </p:txBody>
       </p:sp>
@@ -9435,10 +9289,9 @@
           <a:lstStyle/>
           <a:p>
             <a:r>
-              <a:rPr lang="en-US" dirty="0" smtClean="0"/>
+              <a:rPr lang="en-US" dirty="0"/>
               <a:t>Supine</a:t>
             </a:r>
-            <a:endParaRPr lang="en-US" dirty="0"/>
           </a:p>
         </p:txBody>
       </p:sp>
@@ -9680,13 +9533,6 @@
   <p:clrMapOvr>
     <a:masterClrMapping/>
   </p:clrMapOvr>
-  <p:timing>
-    <p:tnLst>
-      <p:par>
-        <p:cTn id="1" dur="indefinite" restart="never" nodeType="tmRoot"/>
-      </p:par>
-    </p:tnLst>
-  </p:timing>
 </p:sld>
 </file>
 
@@ -9730,10 +9576,9 @@
           <a:lstStyle/>
           <a:p>
             <a:r>
-              <a:rPr lang="en-US" sz="2800" dirty="0" smtClean="0"/>
+              <a:rPr lang="en-US" sz="2800" dirty="0"/>
               <a:t>Effects of Pregnancy on Lung Volumes and Capacities</a:t>
             </a:r>
-            <a:endParaRPr lang="en-US" sz="2800" dirty="0"/>
           </a:p>
         </p:txBody>
       </p:sp>
@@ -9790,103 +9635,65 @@
           <a:p>
             <a:r>
               <a:rPr lang="en-US" dirty="0"/>
-              <a:t>Pregnancy- diaphragm moves </a:t>
-            </a:r>
-            <a:r>
-              <a:rPr lang="en-US" dirty="0" smtClean="0"/>
-              <a:t>up</a:t>
-            </a:r>
-          </a:p>
-          <a:p>
-            <a:r>
-              <a:rPr lang="en-US" dirty="0" smtClean="0"/>
-              <a:t> </a:t>
-            </a:r>
+              <a:t>Pregnancy- diaphragm moves up</a:t>
+            </a:r>
+          </a:p>
+          <a:p>
             <a:r>
               <a:rPr lang="en-US" dirty="0"/>
-              <a:t>(4 cm) with fetus in uterus. </a:t>
-            </a:r>
-            <a:endParaRPr lang="en-US" dirty="0" smtClean="0"/>
-          </a:p>
-          <a:p>
-            <a:endParaRPr lang="en-US" dirty="0" smtClean="0"/>
-          </a:p>
-          <a:p>
-            <a:r>
-              <a:rPr lang="en-US" dirty="0" smtClean="0"/>
-              <a:t>Thoracic </a:t>
-            </a:r>
+              <a:t> (4 cm) with fetus in uterus. </a:t>
+            </a:r>
+          </a:p>
+          <a:p>
+            <a:endParaRPr lang="en-US" dirty="0"/>
+          </a:p>
+          <a:p>
             <a:r>
               <a:rPr lang="en-US" dirty="0"/>
-              <a:t>wall expands. </a:t>
-            </a:r>
-            <a:endParaRPr lang="en-US" dirty="0" smtClean="0"/>
-          </a:p>
-          <a:p>
-            <a:endParaRPr lang="en-US" dirty="0" smtClean="0"/>
-          </a:p>
-          <a:p>
-            <a:r>
-              <a:rPr lang="en-US" dirty="0" smtClean="0"/>
-              <a:t>With </a:t>
-            </a:r>
+              <a:t>Thoracic wall expands. </a:t>
+            </a:r>
+          </a:p>
+          <a:p>
+            <a:endParaRPr lang="en-US" dirty="0"/>
+          </a:p>
+          <a:p>
             <a:r>
               <a:rPr lang="en-US" dirty="0"/>
-              <a:t>increasing fetal size, </a:t>
-            </a:r>
-            <a:endParaRPr lang="en-US" dirty="0" smtClean="0"/>
-          </a:p>
-          <a:p>
-            <a:r>
-              <a:rPr lang="en-US" dirty="0" smtClean="0"/>
-              <a:t>decreased </a:t>
-            </a:r>
+              <a:t>With increasing fetal size, </a:t>
+            </a:r>
+          </a:p>
+          <a:p>
             <a:r>
               <a:rPr lang="en-US" dirty="0"/>
-              <a:t>ERV, RV, and </a:t>
-            </a:r>
-            <a:endParaRPr lang="en-US" dirty="0" smtClean="0"/>
-          </a:p>
-          <a:p>
-            <a:r>
-              <a:rPr lang="en-US" dirty="0" smtClean="0"/>
-              <a:t>FRC </a:t>
-            </a:r>
+              <a:t>decreased ERV, RV, and </a:t>
+            </a:r>
+          </a:p>
+          <a:p>
             <a:r>
               <a:rPr lang="en-US" dirty="0"/>
-              <a:t>(by 20%). </a:t>
-            </a:r>
-            <a:endParaRPr lang="en-US" dirty="0" smtClean="0"/>
-          </a:p>
-          <a:p>
-            <a:endParaRPr lang="en-US" b="1" dirty="0" smtClean="0"/>
-          </a:p>
-          <a:p>
-            <a:r>
-              <a:rPr lang="en-US" b="1" dirty="0" smtClean="0"/>
-              <a:t>Tidal </a:t>
-            </a:r>
+              <a:t>FRC (by 20%). </a:t>
+            </a:r>
+          </a:p>
+          <a:p>
+            <a:endParaRPr lang="en-US" b="1" dirty="0"/>
+          </a:p>
+          <a:p>
             <a:r>
               <a:rPr lang="en-US" b="1" dirty="0"/>
-              <a:t>volume increases</a:t>
+              <a:t>Tidal volume increases</a:t>
             </a:r>
             <a:r>
               <a:rPr lang="en-US" dirty="0"/>
               <a:t>. </a:t>
             </a:r>
-            <a:endParaRPr lang="en-US" dirty="0" smtClean="0"/>
-          </a:p>
-          <a:p>
-            <a:endParaRPr lang="en-US" dirty="0" smtClean="0"/>
-          </a:p>
-          <a:p>
-            <a:r>
-              <a:rPr lang="en-US" dirty="0" smtClean="0"/>
-              <a:t>VC </a:t>
-            </a:r>
+          </a:p>
+          <a:p>
+            <a:endParaRPr lang="en-US" dirty="0"/>
+          </a:p>
+          <a:p>
             <a:r>
               <a:rPr lang="en-US" dirty="0"/>
-              <a:t>does not change.   </a:t>
+              <a:t>VC does not change.   </a:t>
             </a:r>
           </a:p>
         </p:txBody>
@@ -9904,13 +9711,6 @@
   <p:clrMapOvr>
     <a:masterClrMapping/>
   </p:clrMapOvr>
-  <p:timing>
-    <p:tnLst>
-      <p:par>
-        <p:cTn id="1" dur="indefinite" restart="never" nodeType="tmRoot"/>
-      </p:par>
-    </p:tnLst>
-  </p:timing>
 </p:sld>
 </file>
 
@@ -9947,18 +9747,18 @@
           <a:lstStyle/>
           <a:p>
             <a:r>
-              <a:rPr lang="en-US" sz="4000" dirty="0" err="1" smtClean="0"/>
+              <a:rPr lang="en-US" sz="4000" dirty="0" err="1"/>
               <a:t>Spirometry</a:t>
             </a:r>
             <a:r>
-              <a:rPr lang="en-US" sz="4000" dirty="0" smtClean="0"/>
+              <a:rPr lang="en-US" sz="4000" dirty="0"/>
               <a:t>:</a:t>
             </a:r>
             <a:br>
-              <a:rPr lang="en-US" sz="4000" dirty="0" smtClean="0"/>
+              <a:rPr lang="en-US" sz="4000" dirty="0"/>
             </a:br>
             <a:r>
-              <a:rPr lang="en-US" sz="4000" dirty="0" smtClean="0"/>
+              <a:rPr lang="en-US" sz="4000" dirty="0"/>
               <a:t>Volume vs Time Measurements</a:t>
             </a:r>
           </a:p>
@@ -9985,7 +9785,7 @@
               </a:lnSpc>
             </a:pPr>
             <a:r>
-              <a:rPr lang="en-US" dirty="0" smtClean="0"/>
+              <a:rPr lang="en-US" dirty="0"/>
               <a:t>FVC=Forced Vital Capacity</a:t>
             </a:r>
           </a:p>
@@ -9996,15 +9796,15 @@
               </a:lnSpc>
             </a:pPr>
             <a:r>
-              <a:rPr lang="en-US" dirty="0" smtClean="0"/>
+              <a:rPr lang="en-US" dirty="0"/>
               <a:t>FEV</a:t>
             </a:r>
             <a:r>
-              <a:rPr lang="en-US" sz="2000" dirty="0" smtClean="0"/>
+              <a:rPr lang="en-US" sz="2000" dirty="0"/>
               <a:t>1</a:t>
             </a:r>
             <a:r>
-              <a:rPr lang="en-US" dirty="0" smtClean="0"/>
+              <a:rPr lang="en-US" dirty="0"/>
               <a:t>=Forced Expiratory Volume in 1 sec</a:t>
             </a:r>
           </a:p>
@@ -10015,23 +9815,23 @@
               </a:lnSpc>
             </a:pPr>
             <a:r>
-              <a:rPr lang="en-US" dirty="0" smtClean="0"/>
+              <a:rPr lang="en-US" dirty="0"/>
               <a:t>Normally FEV</a:t>
             </a:r>
             <a:r>
-              <a:rPr lang="en-US" baseline="-25000" dirty="0" smtClean="0"/>
+              <a:rPr lang="en-US" baseline="-25000" dirty="0"/>
               <a:t>1 </a:t>
             </a:r>
             <a:r>
-              <a:rPr lang="en-US" dirty="0" smtClean="0"/>
+              <a:rPr lang="en-US" dirty="0"/>
               <a:t>is</a:t>
             </a:r>
             <a:r>
-              <a:rPr lang="en-US" baseline="-25000" dirty="0" smtClean="0"/>
+              <a:rPr lang="en-US" baseline="-25000" dirty="0"/>
               <a:t> </a:t>
             </a:r>
             <a:r>
-              <a:rPr lang="en-US" dirty="0" smtClean="0"/>
+              <a:rPr lang="en-US" dirty="0"/>
               <a:t>80% of FVC</a:t>
             </a:r>
           </a:p>
@@ -10042,15 +9842,15 @@
               </a:lnSpc>
             </a:pPr>
             <a:r>
-              <a:rPr lang="en-US" dirty="0" smtClean="0"/>
+              <a:rPr lang="en-US" dirty="0"/>
               <a:t>Correction for lung size:FEV</a:t>
             </a:r>
             <a:r>
-              <a:rPr lang="en-US" baseline="-25000" dirty="0" smtClean="0"/>
+              <a:rPr lang="en-US" baseline="-25000" dirty="0"/>
               <a:t>1</a:t>
             </a:r>
             <a:r>
-              <a:rPr lang="en-US" dirty="0" smtClean="0"/>
+              <a:rPr lang="en-US" dirty="0"/>
               <a:t>/FVCx100</a:t>
             </a:r>
           </a:p>
@@ -10061,15 +9861,15 @@
               </a:lnSpc>
             </a:pPr>
             <a:r>
-              <a:rPr lang="en-US" dirty="0" smtClean="0"/>
+              <a:rPr lang="en-US" dirty="0"/>
               <a:t>Most reliable </a:t>
             </a:r>
             <a:r>
-              <a:rPr lang="en-US" dirty="0" err="1" smtClean="0"/>
+              <a:rPr lang="en-US" dirty="0" err="1"/>
               <a:t>spirometry</a:t>
             </a:r>
             <a:r>
-              <a:rPr lang="en-US" dirty="0" smtClean="0"/>
+              <a:rPr lang="en-US" dirty="0"/>
               <a:t> measurement</a:t>
             </a:r>
           </a:p>
@@ -10080,15 +9880,15 @@
               </a:lnSpc>
             </a:pPr>
             <a:r>
-              <a:rPr lang="en-US" dirty="0" smtClean="0"/>
+              <a:rPr lang="en-US" dirty="0"/>
               <a:t>FEF</a:t>
             </a:r>
             <a:r>
-              <a:rPr lang="en-US" sz="2000" dirty="0" smtClean="0"/>
+              <a:rPr lang="en-US" sz="2000" dirty="0"/>
               <a:t>25-75</a:t>
             </a:r>
             <a:r>
-              <a:rPr lang="en-US" dirty="0" smtClean="0"/>
+              <a:rPr lang="en-US" dirty="0"/>
               <a:t>= Maximal Mid-Expiratory Flow Rate</a:t>
             </a:r>
           </a:p>
@@ -10099,7 +9899,7 @@
               </a:lnSpc>
             </a:pPr>
             <a:r>
-              <a:rPr lang="en-US" dirty="0" smtClean="0"/>
+              <a:rPr lang="en-US" dirty="0"/>
               <a:t>Flow rate over middle half of FVC</a:t>
             </a:r>
           </a:p>
@@ -10110,7 +9910,7 @@
               </a:lnSpc>
             </a:pPr>
             <a:r>
-              <a:rPr lang="en-US" dirty="0" smtClean="0"/>
+              <a:rPr lang="en-US" dirty="0"/>
               <a:t>Greatest sensitivity to detect early air flow obstruction.</a:t>
             </a:r>
           </a:p>
@@ -10120,7 +9920,7 @@
                 <a:spcPct val="90000"/>
               </a:lnSpc>
             </a:pPr>
-            <a:endParaRPr lang="en-US" dirty="0" smtClean="0"/>
+            <a:endParaRPr lang="en-US" dirty="0"/>
           </a:p>
           <a:p>
             <a:pPr lvl="1">
@@ -10130,7 +9930,7 @@
               <a:buFont typeface="Arial" pitchFamily="34" charset="0"/>
               <a:buNone/>
             </a:pPr>
-            <a:endParaRPr lang="en-US" dirty="0" smtClean="0"/>
+            <a:endParaRPr lang="en-US" dirty="0"/>
           </a:p>
         </p:txBody>
       </p:sp>
@@ -10696,29 +10496,20 @@
               <a:rPr lang="en-US" sz="2800" dirty="0">
                 <a:latin typeface="Calibri" pitchFamily="34" charset="0"/>
               </a:rPr>
-              <a:t> function</a:t>
-            </a:r>
-            <a:r>
-              <a:rPr lang="en-US" sz="2800" dirty="0" smtClean="0">
-                <a:latin typeface="Calibri" pitchFamily="34" charset="0"/>
-              </a:rPr>
-              <a:t>. Measures volume </a:t>
-            </a:r>
-            <a:r>
-              <a:rPr lang="en-US" sz="2800" dirty="0" err="1" smtClean="0">
+              <a:t> function. Measures volume </a:t>
+            </a:r>
+            <a:r>
+              <a:rPr lang="en-US" sz="2800" dirty="0" err="1">
                 <a:latin typeface="Calibri" pitchFamily="34" charset="0"/>
               </a:rPr>
               <a:t>vs</a:t>
             </a:r>
             <a:r>
-              <a:rPr lang="en-US" sz="2800" dirty="0" smtClean="0">
+              <a:rPr lang="en-US" sz="2800" dirty="0">
                 <a:latin typeface="Calibri" pitchFamily="34" charset="0"/>
               </a:rPr>
               <a:t> time.</a:t>
             </a:r>
-            <a:endParaRPr lang="en-US" sz="2800" dirty="0">
-              <a:latin typeface="Calibri" pitchFamily="34" charset="0"/>
-            </a:endParaRPr>
           </a:p>
         </p:txBody>
       </p:sp>
@@ -10855,13 +10646,6 @@
   <p:clrMapOvr>
     <a:masterClrMapping/>
   </p:clrMapOvr>
-  <p:timing>
-    <p:tnLst>
-      <p:par>
-        <p:cTn id="1" dur="indefinite" restart="never" nodeType="tmRoot"/>
-      </p:par>
-    </p:tnLst>
-  </p:timing>
 </p:sld>
 </file>
 
@@ -10899,7 +10683,7 @@
           <a:p>
             <a:pPr eaLnBrk="1" hangingPunct="1"/>
             <a:r>
-              <a:rPr lang="en-US" sz="4000" dirty="0" smtClean="0"/>
+              <a:rPr lang="en-US" sz="4000" dirty="0"/>
               <a:t>Using Airflow to Calculate Airway Resistance</a:t>
             </a:r>
           </a:p>
@@ -10927,43 +10711,43 @@
           <a:p>
             <a:pPr eaLnBrk="1" hangingPunct="1"/>
             <a:r>
-              <a:rPr lang="en-US" dirty="0" smtClean="0"/>
+              <a:rPr lang="en-US" dirty="0"/>
               <a:t>PRESSURE = FLOW X RESISTANCE</a:t>
             </a:r>
           </a:p>
           <a:p>
             <a:pPr eaLnBrk="1" hangingPunct="1"/>
             <a:r>
-              <a:rPr lang="en-US" dirty="0" smtClean="0"/>
+              <a:rPr lang="en-US" dirty="0"/>
               <a:t>RESISTANCE = PRESSURE/FLOW</a:t>
             </a:r>
           </a:p>
           <a:p>
             <a:pPr eaLnBrk="1" hangingPunct="1"/>
             <a:r>
-              <a:rPr lang="en-US" dirty="0" smtClean="0"/>
+              <a:rPr lang="en-US" dirty="0"/>
               <a:t>Pressure measured at the mouth.</a:t>
             </a:r>
           </a:p>
           <a:p>
             <a:pPr eaLnBrk="1" hangingPunct="1"/>
             <a:r>
-              <a:rPr lang="en-US" dirty="0" smtClean="0"/>
+              <a:rPr lang="en-US" dirty="0"/>
               <a:t>Flow measured by a </a:t>
             </a:r>
             <a:r>
-              <a:rPr lang="en-US" dirty="0" err="1" smtClean="0"/>
+              <a:rPr lang="en-US" dirty="0" err="1"/>
               <a:t>pneumotachygraph</a:t>
             </a:r>
             <a:r>
-              <a:rPr lang="en-US" dirty="0" smtClean="0"/>
+              <a:rPr lang="en-US" dirty="0"/>
               <a:t> in the mouthpiece.</a:t>
             </a:r>
           </a:p>
           <a:p>
             <a:pPr eaLnBrk="1" hangingPunct="1"/>
             <a:r>
-              <a:rPr lang="en-US" dirty="0" smtClean="0"/>
+              <a:rPr lang="en-US" dirty="0"/>
               <a:t>Highest airway resistance of the lower respiratory tract is in the mid-sized </a:t>
             </a:r>
           </a:p>
@@ -10973,11 +10757,7 @@
             </a:pPr>
             <a:r>
               <a:rPr lang="en-US" dirty="0"/>
-              <a:t> </a:t>
-            </a:r>
-            <a:r>
-              <a:rPr lang="en-US" dirty="0" smtClean="0"/>
-              <a:t>   bronchi ( &gt; 2 mm in diameter).</a:t>
+              <a:t>    bronchi ( &gt; 2 mm in diameter).</a:t>
             </a:r>
           </a:p>
         </p:txBody>
@@ -11588,7 +11368,7 @@
               <a:buAutoNum type="arabicPeriod"/>
             </a:pPr>
             <a:r>
-              <a:rPr lang="en-US" dirty="0" smtClean="0"/>
+              <a:rPr lang="en-US" dirty="0"/>
               <a:t>Stimulation of sympathetic nerves innervating bronchial smooth muscle</a:t>
             </a:r>
           </a:p>
@@ -11601,7 +11381,7 @@
               <a:buAutoNum type="arabicPeriod"/>
             </a:pPr>
             <a:r>
-              <a:rPr lang="en-US" dirty="0" smtClean="0"/>
+              <a:rPr lang="en-US" dirty="0"/>
               <a:t>Maximal forced inspiration</a:t>
             </a:r>
           </a:p>
@@ -11614,7 +11394,7 @@
               <a:buAutoNum type="arabicPeriod"/>
             </a:pPr>
             <a:r>
-              <a:rPr lang="en-US" dirty="0" smtClean="0"/>
+              <a:rPr lang="en-US" dirty="0"/>
               <a:t>Breathing at high lung volumes</a:t>
             </a:r>
           </a:p>
@@ -11627,7 +11407,7 @@
               <a:buAutoNum type="arabicPeriod"/>
             </a:pPr>
             <a:r>
-              <a:rPr lang="en-US" dirty="0" smtClean="0"/>
+              <a:rPr lang="en-US" dirty="0"/>
               <a:t>Breathing at low lung volumes</a:t>
             </a:r>
           </a:p>
@@ -11654,7 +11434,7 @@
           <a:lstStyle/>
           <a:p>
             <a:r>
-              <a:rPr lang="en-US" sz="4000" dirty="0" smtClean="0"/>
+              <a:rPr lang="en-US" sz="4000" dirty="0"/>
               <a:t>Which of the following will most likely increase airway resistance?</a:t>
             </a:r>
           </a:p>
@@ -11685,7 +11465,7 @@
           <a:graphicData uri="http://schemas.openxmlformats.org/presentationml/2006/ole">
             <mc:AlternateContent xmlns:mc="http://schemas.openxmlformats.org/markup-compatibility/2006">
               <mc:Choice xmlns:v="urn:schemas-microsoft-com:vml" Requires="v">
-                <p:oleObj spid="_x0000_s63597" name="Chart" r:id="rId7" imgW="4572000" imgH="5143500" progId="MSGraph.Chart.8">
+                <p:oleObj spid="_x0000_s63598" name="Chart" r:id="rId7" imgW="4572000" imgH="5143500" progId="MSGraph.Chart.8">
                   <p:embed followColorScheme="full"/>
                 </p:oleObj>
               </mc:Choice>
@@ -11847,10 +11627,9 @@
           <a:lstStyle/>
           <a:p>
             <a:r>
-              <a:rPr lang="en-US" dirty="0" smtClean="0"/>
+              <a:rPr lang="en-US" dirty="0"/>
               <a:t>Objectives</a:t>
             </a:r>
-            <a:endParaRPr lang="en-US" dirty="0"/>
           </a:p>
         </p:txBody>
       </p:sp>
@@ -11880,12 +11659,8 @@
               </a:spcBef>
             </a:pPr>
             <a:r>
-              <a:rPr lang="en-US" sz="2800" dirty="0" smtClean="0"/>
-              <a:t>Without looking, </a:t>
-            </a:r>
-            <a:r>
               <a:rPr lang="en-US" sz="2800" dirty="0"/>
-              <a:t>draw a normal </a:t>
+              <a:t>Without looking, draw a normal </a:t>
             </a:r>
             <a:r>
               <a:rPr lang="en-US" sz="2800" dirty="0" err="1"/>
@@ -11893,11 +11668,7 @@
             </a:r>
             <a:r>
               <a:rPr lang="en-US" sz="2800" dirty="0"/>
-              <a:t>.  Label the lung volumes and capacities</a:t>
-            </a:r>
-            <a:r>
-              <a:rPr lang="en-US" sz="2800" dirty="0" smtClean="0"/>
-              <a:t>.</a:t>
+              <a:t>.  Label the lung volumes and capacities.</a:t>
             </a:r>
           </a:p>
           <a:p>
@@ -11915,22 +11686,9 @@
               </a:spcBef>
             </a:pPr>
             <a:r>
-              <a:rPr lang="en-US" sz="2800" dirty="0" smtClean="0"/>
-              <a:t>List </a:t>
-            </a:r>
-            <a:r>
               <a:rPr lang="en-US" sz="2800" dirty="0"/>
-              <a:t>the primary volumes included in each of the four capacities and identify which volume and capacities cannot be measured directly</a:t>
-            </a:r>
-            <a:r>
-              <a:rPr lang="en-US" sz="2800" dirty="0" smtClean="0"/>
-              <a:t>.</a:t>
-            </a:r>
-            <a:r>
-              <a:rPr lang="en-US" sz="2800" dirty="0"/>
-              <a:t> </a:t>
-            </a:r>
-            <a:endParaRPr lang="en-US" sz="2800" dirty="0" smtClean="0"/>
+              <a:t>List the primary volumes included in each of the four capacities and identify which volume and capacities cannot be measured directly. </a:t>
+            </a:r>
           </a:p>
           <a:p>
             <a:pPr>
@@ -11947,16 +11705,8 @@
               </a:spcBef>
             </a:pPr>
             <a:r>
-              <a:rPr lang="en-US" sz="2800" dirty="0" smtClean="0"/>
-              <a:t>Describe </a:t>
-            </a:r>
-            <a:r>
               <a:rPr lang="en-US" sz="2800" dirty="0"/>
-              <a:t>how </a:t>
-            </a:r>
-            <a:r>
-              <a:rPr lang="en-US" sz="2800" dirty="0" smtClean="0"/>
-              <a:t>lung volumes and capacities change with aging, body position, and pregnancy.</a:t>
+              <a:t>Describe how lung volumes and capacities change with aging, body position, and pregnancy.</a:t>
             </a:r>
           </a:p>
           <a:p>
@@ -11965,7 +11715,7 @@
                 <a:spcPts val="0"/>
               </a:spcBef>
             </a:pPr>
-            <a:endParaRPr lang="en-US" sz="2800" dirty="0" smtClean="0"/>
+            <a:endParaRPr lang="en-US" sz="2800" dirty="0"/>
           </a:p>
           <a:p>
             <a:pPr>
@@ -11974,23 +11724,23 @@
               </a:spcBef>
             </a:pPr>
             <a:r>
-              <a:rPr lang="en-US" sz="2800" dirty="0" smtClean="0"/>
+              <a:rPr lang="en-US" sz="2800" dirty="0"/>
               <a:t>Explain what FEV</a:t>
             </a:r>
             <a:r>
-              <a:rPr lang="en-US" sz="2800" baseline="-25000" dirty="0" smtClean="0"/>
+              <a:rPr lang="en-US" sz="2800" baseline="-25000" dirty="0"/>
               <a:t>1</a:t>
             </a:r>
             <a:r>
-              <a:rPr lang="en-US" sz="2800" dirty="0" smtClean="0"/>
+              <a:rPr lang="en-US" sz="2800" dirty="0"/>
               <a:t>, FVC, and FEF</a:t>
             </a:r>
             <a:r>
-              <a:rPr lang="en-US" sz="2800" baseline="-25000" dirty="0" smtClean="0"/>
+              <a:rPr lang="en-US" sz="2800" baseline="-25000" dirty="0"/>
               <a:t>25-75</a:t>
             </a:r>
             <a:r>
-              <a:rPr lang="en-US" sz="2800" dirty="0" smtClean="0"/>
+              <a:rPr lang="en-US" sz="2800" dirty="0"/>
               <a:t> refer to.</a:t>
             </a:r>
           </a:p>
@@ -12022,13 +11772,6 @@
   <p:clrMapOvr>
     <a:masterClrMapping/>
   </p:clrMapOvr>
-  <p:timing>
-    <p:tnLst>
-      <p:par>
-        <p:cTn id="1" dur="indefinite" restart="never" nodeType="tmRoot"/>
-      </p:par>
-    </p:tnLst>
-  </p:timing>
 </p:sld>
 </file>
 
@@ -12065,10 +11808,9 @@
           <a:lstStyle/>
           <a:p>
             <a:r>
-              <a:rPr lang="en-US" dirty="0" smtClean="0"/>
+              <a:rPr lang="en-US" dirty="0"/>
               <a:t>Airway Resistance</a:t>
             </a:r>
-            <a:endParaRPr lang="en-US" dirty="0"/>
           </a:p>
         </p:txBody>
       </p:sp>
@@ -12093,61 +11835,32 @@
           <a:lstStyle/>
           <a:p>
             <a:r>
-              <a:rPr lang="en-US" sz="2800" dirty="0" smtClean="0"/>
+              <a:rPr lang="en-US" sz="2800" dirty="0"/>
               <a:t>Parasympathetic stimulation constricts bronchial smooth muscle</a:t>
             </a:r>
           </a:p>
           <a:p>
             <a:r>
-              <a:rPr lang="en-US" sz="2800" dirty="0" smtClean="0"/>
-              <a:t>Airway </a:t>
-            </a:r>
-            <a:r>
               <a:rPr lang="en-US" sz="2800" dirty="0"/>
-              <a:t>resistance decreases </a:t>
-            </a:r>
-            <a:r>
-              <a:rPr lang="en-US" sz="2800" dirty="0" smtClean="0"/>
-              <a:t>at large </a:t>
-            </a:r>
+              <a:t>Airway resistance decreases at large lung volumes due to increased diameters of airways. </a:t>
+            </a:r>
+          </a:p>
+          <a:p>
             <a:r>
               <a:rPr lang="en-US" sz="2800" dirty="0"/>
-              <a:t>lung </a:t>
-            </a:r>
-            <a:r>
-              <a:rPr lang="en-US" sz="2800" dirty="0" smtClean="0"/>
-              <a:t>volumes due </a:t>
-            </a:r>
+              <a:t>Airway resistance increases at small lung volumes due to decreased diameters of airways.</a:t>
+            </a:r>
+          </a:p>
+          <a:p>
             <a:r>
               <a:rPr lang="en-US" sz="2800" dirty="0"/>
-              <a:t>to increased diameters of </a:t>
-            </a:r>
-            <a:r>
-              <a:rPr lang="en-US" sz="2800" dirty="0" smtClean="0"/>
-              <a:t>airways. </a:t>
-            </a:r>
-          </a:p>
-          <a:p>
-            <a:r>
-              <a:rPr lang="en-US" sz="2800" dirty="0" smtClean="0"/>
-              <a:t>Airway resistance increases at small lung volumes due to decreased diameters of airways.</a:t>
-            </a:r>
-          </a:p>
-          <a:p>
-            <a:r>
-              <a:rPr lang="en-US" sz="2800" dirty="0" smtClean="0"/>
               <a:t>Restrictive lung disease affects lung parenchyma, NOT airways.</a:t>
             </a:r>
-            <a:endParaRPr lang="en-US" sz="2800" dirty="0"/>
-          </a:p>
-          <a:p>
-            <a:r>
-              <a:rPr lang="en-US" sz="2800" b="1" dirty="0" smtClean="0"/>
-              <a:t>The </a:t>
-            </a:r>
+          </a:p>
+          <a:p>
             <a:r>
               <a:rPr lang="en-US" sz="2800" b="1" dirty="0"/>
-              <a:t>hallmark of obstructive disease is increased airway resistance during expiration.</a:t>
+              <a:t>The hallmark of obstructive disease is increased airway resistance during expiration.</a:t>
             </a:r>
           </a:p>
           <a:p>
@@ -12168,13 +11881,6 @@
   <p:clrMapOvr>
     <a:masterClrMapping/>
   </p:clrMapOvr>
-  <p:timing>
-    <p:tnLst>
-      <p:par>
-        <p:cTn id="1" dur="indefinite" restart="never" nodeType="tmRoot"/>
-      </p:par>
-    </p:tnLst>
-  </p:timing>
 </p:sld>
 </file>
 
@@ -12211,10 +11917,9 @@
           <a:lstStyle/>
           <a:p>
             <a:r>
-              <a:rPr lang="en-US" dirty="0" smtClean="0"/>
+              <a:rPr lang="en-US" dirty="0"/>
               <a:t>Summary of Lecture 3</a:t>
             </a:r>
-            <a:endParaRPr lang="en-US" dirty="0"/>
           </a:p>
         </p:txBody>
       </p:sp>
@@ -12239,42 +11944,38 @@
           <a:lstStyle/>
           <a:p>
             <a:r>
-              <a:rPr lang="en-US" dirty="0" smtClean="0"/>
+              <a:rPr lang="en-US" dirty="0"/>
               <a:t>4 Lung volumes – residual volume (RV) cannot be measured with </a:t>
             </a:r>
             <a:r>
-              <a:rPr lang="en-US" dirty="0" err="1" smtClean="0"/>
+              <a:rPr lang="en-US" dirty="0" err="1"/>
               <a:t>spirometry</a:t>
             </a:r>
-            <a:endParaRPr lang="en-US" dirty="0" smtClean="0"/>
-          </a:p>
-          <a:p>
-            <a:r>
-              <a:rPr lang="en-US" dirty="0" smtClean="0"/>
+            <a:endParaRPr lang="en-US" dirty="0"/>
+          </a:p>
+          <a:p>
+            <a:r>
+              <a:rPr lang="en-US" dirty="0"/>
               <a:t>4 Lung capacities – TLC &amp; FRC cannot be measured with </a:t>
             </a:r>
             <a:r>
-              <a:rPr lang="en-US" dirty="0" err="1" smtClean="0"/>
+              <a:rPr lang="en-US" dirty="0" err="1"/>
               <a:t>spirometry</a:t>
             </a:r>
             <a:r>
-              <a:rPr lang="en-US" dirty="0" smtClean="0"/>
+              <a:rPr lang="en-US" dirty="0"/>
               <a:t> because both include RV</a:t>
             </a:r>
           </a:p>
           <a:p>
             <a:r>
               <a:rPr lang="en-US" dirty="0"/>
-              <a:t>With aging, residual volume increases as elastic recoil </a:t>
-            </a:r>
-            <a:r>
-              <a:rPr lang="en-US" dirty="0" smtClean="0"/>
-              <a:t>decreases</a:t>
-            </a:r>
-          </a:p>
-          <a:p>
-            <a:r>
-              <a:rPr lang="en-US" dirty="0" smtClean="0"/>
+              <a:t>With aging, residual volume increases as elastic recoil decreases</a:t>
+            </a:r>
+          </a:p>
+          <a:p>
+            <a:r>
+              <a:rPr lang="en-US" dirty="0"/>
               <a:t>Supine position </a:t>
             </a:r>
             <a:r>
@@ -12287,7 +11988,7 @@
               <a:t> </a:t>
             </a:r>
             <a:r>
-              <a:rPr lang="en-US" dirty="0" smtClean="0"/>
+              <a:rPr lang="en-US" dirty="0"/>
               <a:t>ERV, </a:t>
             </a:r>
             <a:r>
@@ -12300,7 +12001,7 @@
               <a:t> </a:t>
             </a:r>
             <a:r>
-              <a:rPr lang="en-US" dirty="0" smtClean="0"/>
+              <a:rPr lang="en-US" dirty="0"/>
               <a:t>FRC, and </a:t>
             </a:r>
             <a:r>
@@ -12313,13 +12014,13 @@
               <a:t> </a:t>
             </a:r>
             <a:r>
-              <a:rPr lang="en-US" dirty="0" smtClean="0"/>
+              <a:rPr lang="en-US" dirty="0"/>
               <a:t>IRV</a:t>
             </a:r>
           </a:p>
           <a:p>
             <a:r>
-              <a:rPr lang="en-US" dirty="0" smtClean="0"/>
+              <a:rPr lang="en-US" dirty="0"/>
               <a:t>In pregnancy, </a:t>
             </a:r>
             <a:r>
@@ -12345,7 +12046,7 @@
               <a:t> </a:t>
             </a:r>
             <a:r>
-              <a:rPr lang="en-US" dirty="0" smtClean="0"/>
+              <a:rPr lang="en-US" dirty="0"/>
               <a:t>RV, </a:t>
             </a:r>
             <a:r>
@@ -12359,11 +12060,7 @@
             </a:r>
             <a:r>
               <a:rPr lang="en-US" dirty="0"/>
-              <a:t>FRC </a:t>
-            </a:r>
-            <a:r>
-              <a:rPr lang="en-US" dirty="0" smtClean="0"/>
-              <a:t>and </a:t>
+              <a:t>FRC and </a:t>
             </a:r>
             <a:r>
               <a:rPr lang="en-US" dirty="0">
@@ -12375,20 +12072,19 @@
               <a:t> </a:t>
             </a:r>
             <a:r>
-              <a:rPr lang="en-US" dirty="0" smtClean="0"/>
+              <a:rPr lang="en-US" dirty="0"/>
               <a:t>V</a:t>
             </a:r>
             <a:r>
-              <a:rPr lang="en-US" baseline="-25000" dirty="0" smtClean="0"/>
+              <a:rPr lang="en-US" baseline="-25000" dirty="0"/>
               <a:t>T</a:t>
             </a:r>
           </a:p>
           <a:p>
             <a:r>
-              <a:rPr lang="en-US" dirty="0" smtClean="0"/>
+              <a:rPr lang="en-US" dirty="0"/>
               <a:t>Airway resistance is inversely related to airflow</a:t>
             </a:r>
-            <a:endParaRPr lang="en-US" dirty="0"/>
           </a:p>
         </p:txBody>
       </p:sp>
@@ -12405,13 +12101,6 @@
   <p:clrMapOvr>
     <a:masterClrMapping/>
   </p:clrMapOvr>
-  <p:timing>
-    <p:tnLst>
-      <p:par>
-        <p:cTn id="1" dur="indefinite" restart="never" nodeType="tmRoot"/>
-      </p:par>
-    </p:tnLst>
-  </p:timing>
 </p:sld>
 </file>
 
@@ -12449,7 +12138,7 @@
           <a:p>
             <a:pPr eaLnBrk="1" hangingPunct="1"/>
             <a:r>
-              <a:rPr lang="en-US" dirty="0" smtClean="0"/>
+              <a:rPr lang="en-US" dirty="0"/>
               <a:t>Volumes vs Capacities</a:t>
             </a:r>
           </a:p>
@@ -12472,37 +12161,37 @@
           <a:p>
             <a:pPr eaLnBrk="1" hangingPunct="1"/>
             <a:r>
-              <a:rPr lang="en-US" dirty="0" smtClean="0"/>
+              <a:rPr lang="en-US" dirty="0"/>
               <a:t>The amount of air in the lungs is divided into 4 volumes and 4 capacities.</a:t>
             </a:r>
           </a:p>
           <a:p>
             <a:pPr eaLnBrk="1" hangingPunct="1"/>
             <a:r>
-              <a:rPr lang="en-US" dirty="0" smtClean="0"/>
+              <a:rPr lang="en-US" dirty="0"/>
               <a:t>A </a:t>
             </a:r>
             <a:r>
-              <a:rPr lang="en-US" u="sng" dirty="0" smtClean="0"/>
+              <a:rPr lang="en-US" u="sng" dirty="0"/>
               <a:t>volume</a:t>
             </a:r>
             <a:r>
-              <a:rPr lang="en-US" dirty="0" smtClean="0"/>
+              <a:rPr lang="en-US" dirty="0"/>
               <a:t> is a value that is not further subdivided.</a:t>
             </a:r>
           </a:p>
           <a:p>
             <a:pPr eaLnBrk="1" hangingPunct="1"/>
             <a:r>
-              <a:rPr lang="en-US" dirty="0" smtClean="0"/>
+              <a:rPr lang="en-US" dirty="0"/>
               <a:t>A </a:t>
             </a:r>
             <a:r>
-              <a:rPr lang="en-US" u="sng" dirty="0" smtClean="0"/>
+              <a:rPr lang="en-US" u="sng" dirty="0"/>
               <a:t>capacity</a:t>
             </a:r>
             <a:r>
-              <a:rPr lang="en-US" dirty="0" smtClean="0"/>
+              <a:rPr lang="en-US" dirty="0"/>
               <a:t> consists of two or more volumes.</a:t>
             </a:r>
           </a:p>
@@ -12833,43 +12522,7 @@
               <a:rPr lang="en-US" sz="4000" dirty="0">
                 <a:latin typeface="Calibri" pitchFamily="34" charset="0"/>
               </a:rPr>
-              <a:t>Spirometry </a:t>
-            </a:r>
-            <a:r>
-              <a:rPr lang="en-US" sz="4000" dirty="0" smtClean="0">
-                <a:latin typeface="Calibri" pitchFamily="34" charset="0"/>
-              </a:rPr>
-              <a:t>Measurements </a:t>
-            </a:r>
-            <a:r>
-              <a:rPr lang="en-US" sz="4000" dirty="0">
-                <a:latin typeface="Calibri" pitchFamily="34" charset="0"/>
-              </a:rPr>
-              <a:t>are </a:t>
-            </a:r>
-            <a:r>
-              <a:rPr lang="en-US" sz="4000" dirty="0" smtClean="0">
-                <a:latin typeface="Calibri" pitchFamily="34" charset="0"/>
-              </a:rPr>
-              <a:t>Used </a:t>
-            </a:r>
-            <a:r>
-              <a:rPr lang="en-US" sz="4000" dirty="0">
-                <a:latin typeface="Calibri" pitchFamily="34" charset="0"/>
-              </a:rPr>
-              <a:t>for 3 </a:t>
-            </a:r>
-            <a:r>
-              <a:rPr lang="en-US" sz="4000" dirty="0" smtClean="0">
-                <a:latin typeface="Calibri" pitchFamily="34" charset="0"/>
-              </a:rPr>
-              <a:t>Analyses</a:t>
-            </a:r>
-            <a:r>
-              <a:rPr lang="en-US" sz="4000" dirty="0">
-                <a:latin typeface="Calibri" pitchFamily="34" charset="0"/>
-              </a:rPr>
-              <a:t>:</a:t>
+              <a:t>Spirometry Measurements are Used for 3 Analyses:</a:t>
             </a:r>
           </a:p>
           <a:p>
@@ -12903,13 +12556,6 @@
   <p:clrMapOvr>
     <a:masterClrMapping/>
   </p:clrMapOvr>
-  <p:timing>
-    <p:tnLst>
-      <p:par>
-        <p:cTn id="1" dur="indefinite" restart="never" nodeType="tmRoot"/>
-      </p:par>
-    </p:tnLst>
-  </p:timing>
 </p:sld>
 </file>
 
@@ -12947,14 +12593,14 @@
           <a:p>
             <a:pPr eaLnBrk="1" hangingPunct="1"/>
             <a:r>
-              <a:rPr lang="en-US" dirty="0" smtClean="0"/>
+              <a:rPr lang="en-US" dirty="0"/>
               <a:t>Two Types of </a:t>
             </a:r>
             <a:r>
-              <a:rPr lang="en-US" dirty="0" err="1" smtClean="0"/>
+              <a:rPr lang="en-US" dirty="0" err="1"/>
               <a:t>Spirometers</a:t>
             </a:r>
-            <a:endParaRPr lang="en-US" dirty="0" smtClean="0"/>
+            <a:endParaRPr lang="en-US" dirty="0"/>
           </a:p>
         </p:txBody>
       </p:sp>
@@ -12983,7 +12629,7 @@
               <a:buAutoNum type="arabicPeriod"/>
             </a:pPr>
             <a:r>
-              <a:rPr lang="en-US" dirty="0" smtClean="0"/>
+              <a:rPr lang="en-US" dirty="0"/>
               <a:t>Volume Displacement – Bell moves up and down as air is blown into and inhaled from device.</a:t>
             </a:r>
           </a:p>
@@ -12992,7 +12638,7 @@
               <a:buNone/>
             </a:pPr>
             <a:r>
-              <a:rPr lang="en-US" dirty="0" smtClean="0"/>
+              <a:rPr lang="en-US" dirty="0"/>
               <a:t>Has moving parts</a:t>
             </a:r>
           </a:p>
@@ -13001,7 +12647,7 @@
               <a:buNone/>
             </a:pPr>
             <a:r>
-              <a:rPr lang="en-US" dirty="0" smtClean="0"/>
+              <a:rPr lang="en-US" dirty="0"/>
               <a:t>Can be bulky</a:t>
             </a:r>
           </a:p>
@@ -13010,7 +12656,7 @@
               <a:buNone/>
             </a:pPr>
             <a:r>
-              <a:rPr lang="en-US" dirty="0" smtClean="0"/>
+              <a:rPr lang="en-US" dirty="0"/>
               <a:t>Holds its calibration</a:t>
             </a:r>
           </a:p>
@@ -13019,7 +12665,7 @@
               <a:buNone/>
             </a:pPr>
             <a:r>
-              <a:rPr lang="en-US" dirty="0" smtClean="0"/>
+              <a:rPr lang="en-US" dirty="0"/>
               <a:t> well</a:t>
             </a:r>
           </a:p>
@@ -13087,13 +12733,6 @@
   <p:clrMapOvr>
     <a:masterClrMapping/>
   </p:clrMapOvr>
-  <p:timing>
-    <p:tnLst>
-      <p:par>
-        <p:cTn id="1" dur="indefinite" restart="never" nodeType="tmRoot"/>
-      </p:par>
-    </p:tnLst>
-  </p:timing>
 </p:sld>
 </file>
 
@@ -13131,14 +12770,14 @@
           <a:p>
             <a:pPr eaLnBrk="1" hangingPunct="1"/>
             <a:r>
-              <a:rPr lang="en-US" dirty="0" smtClean="0"/>
+              <a:rPr lang="en-US" dirty="0"/>
               <a:t>2nd Type of </a:t>
             </a:r>
             <a:r>
-              <a:rPr lang="en-US" dirty="0" err="1" smtClean="0"/>
+              <a:rPr lang="en-US" dirty="0" err="1"/>
               <a:t>Spirometer</a:t>
             </a:r>
-            <a:endParaRPr lang="en-US" dirty="0" smtClean="0"/>
+            <a:endParaRPr lang="en-US" dirty="0"/>
           </a:p>
         </p:txBody>
       </p:sp>
@@ -13172,7 +12811,7 @@
               </a14:hiddenLine>
             </a:ext>
             <a:ext uri="{FAA26D3D-D897-4be2-8F04-BA451C77F1D7}">
-              <ma14:placeholderFlag xmlns="" xmlns:ma14="http://schemas.microsoft.com/office/mac/drawingml/2011/main" val="1"/>
+              <ma14:placeholderFlag xmlns:ma14="http://schemas.microsoft.com/office/mac/drawingml/2011/main" xmlns="" val="1"/>
             </a:ext>
           </a:extLst>
         </p:spPr>
@@ -13191,21 +12830,21 @@
               <a:defRPr/>
             </a:pPr>
             <a:r>
-              <a:rPr lang="en-US" dirty="0" smtClean="0">
+              <a:rPr lang="en-US" dirty="0">
                 <a:ea typeface="+mn-ea"/>
                 <a:cs typeface="+mn-cs"/>
               </a:rPr>
               <a:t>Integrated </a:t>
             </a:r>
             <a:r>
-              <a:rPr lang="en-US" dirty="0" err="1" smtClean="0">
+              <a:rPr lang="en-US" dirty="0" err="1">
                 <a:ea typeface="+mn-ea"/>
                 <a:cs typeface="+mn-cs"/>
               </a:rPr>
               <a:t>Pneumotachygraph</a:t>
             </a:r>
             <a:r>
-              <a:rPr lang="en-US" dirty="0" smtClean="0">
+              <a:rPr lang="en-US" dirty="0">
                 <a:ea typeface="+mn-ea"/>
                 <a:cs typeface="+mn-cs"/>
               </a:rPr>
@@ -13222,7 +12861,7 @@
               <a:defRPr/>
             </a:pPr>
             <a:r>
-              <a:rPr lang="en-US" dirty="0" smtClean="0">
+              <a:rPr lang="en-US" dirty="0">
                 <a:ea typeface="+mn-ea"/>
               </a:rPr>
               <a:t>Electronic device</a:t>
@@ -13238,7 +12877,7 @@
               <a:defRPr/>
             </a:pPr>
             <a:r>
-              <a:rPr lang="en-US" dirty="0" smtClean="0">
+              <a:rPr lang="en-US" dirty="0">
                 <a:ea typeface="+mn-ea"/>
               </a:rPr>
               <a:t>Volume derived from flow rate and time</a:t>
@@ -13254,7 +12893,7 @@
               <a:defRPr/>
             </a:pPr>
             <a:r>
-              <a:rPr lang="en-US" dirty="0" smtClean="0">
+              <a:rPr lang="en-US" dirty="0">
                 <a:ea typeface="+mn-ea"/>
               </a:rPr>
               <a:t>Small and light weight</a:t>
@@ -13270,7 +12909,7 @@
               <a:defRPr/>
             </a:pPr>
             <a:r>
-              <a:rPr lang="en-US" dirty="0" smtClean="0">
+              <a:rPr lang="en-US" dirty="0">
                 <a:ea typeface="+mn-ea"/>
               </a:rPr>
               <a:t>No moving parts</a:t>
@@ -13286,7 +12925,7 @@
               <a:defRPr/>
             </a:pPr>
             <a:r>
-              <a:rPr lang="en-US" dirty="0" smtClean="0">
+              <a:rPr lang="en-US" dirty="0">
                 <a:ea typeface="+mn-ea"/>
               </a:rPr>
               <a:t>Needs frequent calibration</a:t>
@@ -13299,7 +12938,7 @@
               <a:defRPr/>
             </a:pPr>
             <a:r>
-              <a:rPr lang="en-US" dirty="0" smtClean="0"/>
+              <a:rPr lang="en-US" dirty="0"/>
               <a:t>					(Demo)</a:t>
             </a:r>
           </a:p>
@@ -13628,11 +13267,11 @@
           <a:lstStyle/>
           <a:p>
             <a:r>
-              <a:rPr lang="en-US" dirty="0" smtClean="0"/>
+              <a:rPr lang="en-US" dirty="0"/>
               <a:t>Demo of </a:t>
             </a:r>
             <a:r>
-              <a:rPr lang="en-US" dirty="0" err="1" smtClean="0"/>
+              <a:rPr lang="en-US" dirty="0" err="1"/>
               <a:t>Pneumotachometer</a:t>
             </a:r>
             <a:endParaRPr lang="en-US" dirty="0"/>
@@ -13662,24 +13301,23 @@
           <a:lstStyle/>
           <a:p>
             <a:r>
-              <a:rPr lang="en-US" sz="2400" dirty="0" smtClean="0"/>
+              <a:rPr lang="en-US" sz="2400" dirty="0"/>
               <a:t>We will measure lung volumes, lung capacities, </a:t>
             </a:r>
           </a:p>
           <a:p>
             <a:r>
-              <a:rPr lang="en-US" sz="2400" dirty="0" smtClean="0"/>
+              <a:rPr lang="en-US" sz="2400" dirty="0"/>
               <a:t>and forced expiratory volumes including FEV</a:t>
             </a:r>
             <a:r>
-              <a:rPr lang="en-US" sz="2400" baseline="-25000" dirty="0" smtClean="0"/>
+              <a:rPr lang="en-US" sz="2400" baseline="-25000" dirty="0"/>
               <a:t>1</a:t>
             </a:r>
             <a:r>
-              <a:rPr lang="en-US" sz="2400" dirty="0" smtClean="0"/>
+              <a:rPr lang="en-US" sz="2400" dirty="0"/>
               <a:t>.</a:t>
             </a:r>
-            <a:endParaRPr lang="en-US" sz="2400" dirty="0"/>
           </a:p>
         </p:txBody>
       </p:sp>
@@ -13737,13 +13375,6 @@
   <p:clrMapOvr>
     <a:masterClrMapping/>
   </p:clrMapOvr>
-  <p:timing>
-    <p:tnLst>
-      <p:par>
-        <p:cTn id="1" dur="indefinite" restart="never" nodeType="tmRoot"/>
-      </p:par>
-    </p:tnLst>
-  </p:timing>
 </p:sld>
 </file>
 
@@ -15157,13 +14788,6 @@
   <p:clrMapOvr>
     <a:masterClrMapping/>
   </p:clrMapOvr>
-  <p:timing>
-    <p:tnLst>
-      <p:par>
-        <p:cTn id="1" dur="indefinite" restart="never" nodeType="tmRoot"/>
-      </p:par>
-    </p:tnLst>
-  </p:timing>
 </p:sld>
 </file>
 
@@ -15232,7 +14856,7 @@
           <a:p>
             <a:pPr eaLnBrk="1" hangingPunct="1"/>
             <a:r>
-              <a:rPr lang="en-US" dirty="0" smtClean="0"/>
+              <a:rPr lang="en-US" dirty="0"/>
               <a:t>Lung Volumes</a:t>
             </a:r>
           </a:p>
@@ -15263,78 +14887,70 @@
           <a:p>
             <a:pPr eaLnBrk="1" hangingPunct="1"/>
             <a:r>
-              <a:rPr lang="en-US" sz="2800" b="1" u="sng" dirty="0" smtClean="0"/>
+              <a:rPr lang="en-US" sz="2800" b="1" u="sng" dirty="0"/>
               <a:t>Tidal Volume </a:t>
             </a:r>
             <a:r>
-              <a:rPr lang="en-US" sz="2800" dirty="0" smtClean="0"/>
+              <a:rPr lang="en-US" sz="2800" dirty="0"/>
               <a:t>– V</a:t>
             </a:r>
             <a:r>
-              <a:rPr lang="en-US" sz="2800" baseline="-25000" dirty="0" smtClean="0"/>
+              <a:rPr lang="en-US" sz="2800" baseline="-25000" dirty="0"/>
               <a:t>T</a:t>
             </a:r>
             <a:r>
-              <a:rPr lang="en-US" sz="2800" dirty="0" smtClean="0"/>
+              <a:rPr lang="en-US" sz="2800" dirty="0"/>
               <a:t>–  amount of air inhaled with a normal breath from the resting level. 500 mL</a:t>
             </a:r>
           </a:p>
           <a:p>
             <a:pPr eaLnBrk="1" hangingPunct="1"/>
             <a:r>
-              <a:rPr lang="en-US" sz="2800" b="1" u="sng" dirty="0" smtClean="0"/>
+              <a:rPr lang="en-US" sz="2800" b="1" u="sng" dirty="0"/>
               <a:t>Inspiratory Reserve Volume</a:t>
             </a:r>
             <a:r>
-              <a:rPr lang="en-US" sz="2800" dirty="0" smtClean="0"/>
+              <a:rPr lang="en-US" sz="2800" dirty="0"/>
               <a:t>-IRV – the max amount of additional air that can be inhaled beyond the V</a:t>
             </a:r>
             <a:r>
-              <a:rPr lang="en-US" sz="2800" baseline="-25000" dirty="0" smtClean="0"/>
+              <a:rPr lang="en-US" sz="2800" baseline="-25000" dirty="0"/>
               <a:t>T</a:t>
             </a:r>
             <a:r>
-              <a:rPr lang="en-US" sz="2800" dirty="0" smtClean="0"/>
+              <a:rPr lang="en-US" sz="2800" dirty="0"/>
               <a:t>.</a:t>
             </a:r>
           </a:p>
           <a:p>
             <a:pPr eaLnBrk="1" hangingPunct="1"/>
             <a:r>
-              <a:rPr lang="en-US" sz="2800" b="1" u="sng" dirty="0" smtClean="0"/>
+              <a:rPr lang="en-US" sz="2800" b="1" u="sng" dirty="0"/>
               <a:t>Expiratory Reserve Volume </a:t>
             </a:r>
             <a:r>
-              <a:rPr lang="en-US" sz="2800" dirty="0" smtClean="0"/>
+              <a:rPr lang="en-US" sz="2800" dirty="0"/>
               <a:t>– ERV – the max amount of air that can be exhaled following a normal exhalation from the resting level.</a:t>
             </a:r>
           </a:p>
           <a:p>
             <a:pPr eaLnBrk="1" hangingPunct="1"/>
             <a:r>
-              <a:rPr lang="en-US" sz="2800" b="1" u="sng" dirty="0" smtClean="0"/>
+              <a:rPr lang="en-US" sz="2800" b="1" u="sng" dirty="0"/>
               <a:t>Residual Volume </a:t>
             </a:r>
             <a:r>
-              <a:rPr lang="en-US" sz="2800" dirty="0" smtClean="0"/>
+              <a:rPr lang="en-US" sz="2800" dirty="0"/>
               <a:t>– RV – the amount of air that remains after a maximal exhalation.</a:t>
             </a:r>
           </a:p>
           <a:p>
             <a:pPr lvl="1" eaLnBrk="1" hangingPunct="1"/>
             <a:r>
-              <a:rPr lang="en-US" sz="1800" dirty="0" smtClean="0"/>
-              <a:t>prevents </a:t>
-            </a:r>
-            <a:r>
               <a:rPr lang="en-US" sz="1800" dirty="0"/>
-              <a:t>fluctuations in gas exchange by maintaining oxygen </a:t>
-            </a:r>
-            <a:r>
-              <a:rPr lang="en-US" sz="1800" dirty="0" smtClean="0"/>
-              <a:t>during expiration</a:t>
-            </a:r>
-            <a:endParaRPr lang="en-US" sz="4000" dirty="0" smtClean="0"/>
+              <a:t>prevents fluctuations in gas exchange by maintaining oxygen during expiration</a:t>
+            </a:r>
+            <a:endParaRPr lang="en-US" sz="4000" dirty="0"/>
           </a:p>
         </p:txBody>
       </p:sp>
@@ -15346,13 +14962,6 @@
   <p:clrMapOvr>
     <a:masterClrMapping/>
   </p:clrMapOvr>
-  <p:timing>
-    <p:tnLst>
-      <p:par>
-        <p:cTn id="1" dur="indefinite" restart="never" nodeType="tmRoot"/>
-      </p:par>
-    </p:tnLst>
-  </p:timing>
 </p:sld>
 </file>
 
